--- a/Prezentacija/Prezentacija.pptx
+++ b/Prezentacija/Prezentacija.pptx
@@ -1,9 +1,12 @@
 
 <file path=ppt/presentation.xml><?xml version="1.0" encoding="utf-8"?>
-<p:presentation xmlns:a="http://schemas.openxmlformats.org/drawingml/2006/main" xmlns:r="http://schemas.openxmlformats.org/officeDocument/2006/relationships" xmlns:p="http://schemas.openxmlformats.org/presentationml/2006/main" autoCompressPictures="0">
+<p:presentation xmlns:a="http://schemas.openxmlformats.org/drawingml/2006/main" xmlns:r="http://schemas.openxmlformats.org/officeDocument/2006/relationships" xmlns:p="http://schemas.openxmlformats.org/presentationml/2006/main" showSpecialPlsOnTitleSld="0" autoCompressPictures="0">
   <p:sldMasterIdLst>
     <p:sldMasterId id="2147483672" r:id="rId1"/>
   </p:sldMasterIdLst>
+  <p:notesMasterIdLst>
+    <p:notesMasterId r:id="rId16"/>
+  </p:notesMasterIdLst>
   <p:sldIdLst>
     <p:sldId id="256" r:id="rId2"/>
     <p:sldId id="257" r:id="rId3"/>
@@ -14,10 +17,11 @@
     <p:sldId id="262" r:id="rId8"/>
     <p:sldId id="263" r:id="rId9"/>
     <p:sldId id="264" r:id="rId10"/>
-    <p:sldId id="265" r:id="rId11"/>
-    <p:sldId id="266" r:id="rId12"/>
-    <p:sldId id="267" r:id="rId13"/>
-    <p:sldId id="268" r:id="rId14"/>
+    <p:sldId id="269" r:id="rId11"/>
+    <p:sldId id="265" r:id="rId12"/>
+    <p:sldId id="266" r:id="rId13"/>
+    <p:sldId id="267" r:id="rId14"/>
+    <p:sldId id="268" r:id="rId15"/>
   </p:sldIdLst>
   <p:sldSz cx="12192000" cy="6858000"/>
   <p:notesSz cx="6858000" cy="9144000"/>
@@ -345,6 +349,22 @@
             <a:effectLst/>
           </c:spPr>
           <c:invertIfNegative val="0"/>
+          <c:dPt>
+            <c:idx val="0"/>
+            <c:invertIfNegative val="0"/>
+            <c:bubble3D val="0"/>
+            <c:spPr>
+              <a:solidFill>
+                <a:schemeClr val="accent2">
+                  <a:lumMod val="75000"/>
+                </a:schemeClr>
+              </a:solidFill>
+              <a:ln>
+                <a:noFill/>
+              </a:ln>
+              <a:effectLst/>
+            </c:spPr>
+          </c:dPt>
           <c:dPt>
             <c:idx val="1"/>
             <c:invertIfNegative val="0"/>
@@ -828,11 +848,11 @@
         </c:dLbls>
         <c:gapWidth val="150"/>
         <c:overlap val="100"/>
-        <c:axId val="253584128"/>
-        <c:axId val="253589224"/>
+        <c:axId val="356896040"/>
+        <c:axId val="356900352"/>
       </c:barChart>
       <c:catAx>
-        <c:axId val="253584128"/>
+        <c:axId val="356896040"/>
         <c:scaling>
           <c:orientation val="minMax"/>
         </c:scaling>
@@ -875,7 +895,7 @@
             <a:endParaRPr lang="sr-Latn-RS"/>
           </a:p>
         </c:txPr>
-        <c:crossAx val="253589224"/>
+        <c:crossAx val="356900352"/>
         <c:crosses val="autoZero"/>
         <c:auto val="1"/>
         <c:lblAlgn val="ctr"/>
@@ -883,7 +903,7 @@
         <c:noMultiLvlLbl val="0"/>
       </c:catAx>
       <c:valAx>
-        <c:axId val="253589224"/>
+        <c:axId val="356900352"/>
         <c:scaling>
           <c:orientation val="minMax"/>
         </c:scaling>
@@ -934,7 +954,7 @@
             <a:endParaRPr lang="sr-Latn-RS"/>
           </a:p>
         </c:txPr>
-        <c:crossAx val="253584128"/>
+        <c:crossAx val="356896040"/>
         <c:crosses val="autoZero"/>
         <c:crossBetween val="between"/>
       </c:valAx>
@@ -946,37 +966,6 @@
         <a:effectLst/>
       </c:spPr>
     </c:plotArea>
-    <c:legend>
-      <c:legendPos val="b"/>
-      <c:overlay val="0"/>
-      <c:spPr>
-        <a:noFill/>
-        <a:ln>
-          <a:noFill/>
-        </a:ln>
-        <a:effectLst/>
-      </c:spPr>
-      <c:txPr>
-        <a:bodyPr rot="0" spcFirstLastPara="1" vertOverflow="ellipsis" vert="horz" wrap="square" anchor="ctr" anchorCtr="1"/>
-        <a:lstStyle/>
-        <a:p>
-          <a:pPr>
-            <a:defRPr sz="1500" b="0" i="0" u="none" strike="noStrike" kern="1200" baseline="0">
-              <a:solidFill>
-                <a:schemeClr val="tx1">
-                  <a:lumMod val="65000"/>
-                  <a:lumOff val="35000"/>
-                </a:schemeClr>
-              </a:solidFill>
-              <a:latin typeface="+mn-lt"/>
-              <a:ea typeface="+mn-ea"/>
-              <a:cs typeface="+mn-cs"/>
-            </a:defRPr>
-          </a:pPr>
-          <a:endParaRPr lang="sr-Latn-RS"/>
-        </a:p>
-      </c:txPr>
-    </c:legend>
     <c:plotVisOnly val="1"/>
     <c:dispBlanksAs val="gap"/>
     <c:showDLblsOverMax val="0"/>
@@ -1549,6 +1538,608 @@
 </cs:chartStyle>
 </file>
 
+<file path=ppt/notesMasters/notesMaster1.xml><?xml version="1.0" encoding="utf-8"?>
+<p:notesMaster xmlns:a="http://schemas.openxmlformats.org/drawingml/2006/main" xmlns:r="http://schemas.openxmlformats.org/officeDocument/2006/relationships" xmlns:p="http://schemas.openxmlformats.org/presentationml/2006/main">
+  <p:cSld>
+    <p:bg>
+      <p:bgRef idx="1001">
+        <a:schemeClr val="bg1"/>
+      </p:bgRef>
+    </p:bg>
+    <p:spTree>
+      <p:nvGrpSpPr>
+        <p:cNvPr id="1" name=""/>
+        <p:cNvGrpSpPr/>
+        <p:nvPr/>
+      </p:nvGrpSpPr>
+      <p:grpSpPr>
+        <a:xfrm>
+          <a:off x="0" y="0"/>
+          <a:ext cx="0" cy="0"/>
+          <a:chOff x="0" y="0"/>
+          <a:chExt cx="0" cy="0"/>
+        </a:xfrm>
+      </p:grpSpPr>
+      <p:sp>
+        <p:nvSpPr>
+          <p:cNvPr id="2" name="Rezervirano mjesto zaglavlja 1"/>
+          <p:cNvSpPr>
+            <a:spLocks noGrp="1"/>
+          </p:cNvSpPr>
+          <p:nvPr>
+            <p:ph type="hdr" sz="quarter"/>
+          </p:nvPr>
+        </p:nvSpPr>
+        <p:spPr>
+          <a:xfrm>
+            <a:off x="0" y="0"/>
+            <a:ext cx="2971800" cy="458788"/>
+          </a:xfrm>
+          <a:prstGeom prst="rect">
+            <a:avLst/>
+          </a:prstGeom>
+        </p:spPr>
+        <p:txBody>
+          <a:bodyPr vert="horz" lIns="91440" tIns="45720" rIns="91440" bIns="45720" rtlCol="0"/>
+          <a:lstStyle>
+            <a:lvl1pPr algn="l">
+              <a:defRPr sz="1200"/>
+            </a:lvl1pPr>
+          </a:lstStyle>
+          <a:p>
+            <a:endParaRPr lang="hr-HR"/>
+          </a:p>
+        </p:txBody>
+      </p:sp>
+      <p:sp>
+        <p:nvSpPr>
+          <p:cNvPr id="3" name="Rezervirano mjesto datuma 2"/>
+          <p:cNvSpPr>
+            <a:spLocks noGrp="1"/>
+          </p:cNvSpPr>
+          <p:nvPr>
+            <p:ph type="dt" idx="1"/>
+          </p:nvPr>
+        </p:nvSpPr>
+        <p:spPr>
+          <a:xfrm>
+            <a:off x="3884613" y="0"/>
+            <a:ext cx="2971800" cy="458788"/>
+          </a:xfrm>
+          <a:prstGeom prst="rect">
+            <a:avLst/>
+          </a:prstGeom>
+        </p:spPr>
+        <p:txBody>
+          <a:bodyPr vert="horz" lIns="91440" tIns="45720" rIns="91440" bIns="45720" rtlCol="0"/>
+          <a:lstStyle>
+            <a:lvl1pPr algn="r">
+              <a:defRPr sz="1200"/>
+            </a:lvl1pPr>
+          </a:lstStyle>
+          <a:p>
+            <a:fld id="{E4DFF214-730F-47C2-B0BB-677D5AB44F5F}" type="datetimeFigureOut">
+              <a:rPr lang="hr-HR" smtClean="0"/>
+              <a:t>25.1.2016.</a:t>
+            </a:fld>
+            <a:endParaRPr lang="hr-HR"/>
+          </a:p>
+        </p:txBody>
+      </p:sp>
+      <p:sp>
+        <p:nvSpPr>
+          <p:cNvPr id="4" name="Rezervirano mjesto slike slajda 3"/>
+          <p:cNvSpPr>
+            <a:spLocks noGrp="1" noRot="1" noChangeAspect="1"/>
+          </p:cNvSpPr>
+          <p:nvPr>
+            <p:ph type="sldImg" idx="2"/>
+          </p:nvPr>
+        </p:nvSpPr>
+        <p:spPr>
+          <a:xfrm>
+            <a:off x="685800" y="1143000"/>
+            <a:ext cx="5486400" cy="3086100"/>
+          </a:xfrm>
+          <a:prstGeom prst="rect">
+            <a:avLst/>
+          </a:prstGeom>
+          <a:noFill/>
+          <a:ln w="12700">
+            <a:solidFill>
+              <a:prstClr val="black"/>
+            </a:solidFill>
+          </a:ln>
+        </p:spPr>
+        <p:txBody>
+          <a:bodyPr vert="horz" lIns="91440" tIns="45720" rIns="91440" bIns="45720" rtlCol="0" anchor="ctr"/>
+          <a:lstStyle/>
+          <a:p>
+            <a:endParaRPr lang="hr-HR"/>
+          </a:p>
+        </p:txBody>
+      </p:sp>
+      <p:sp>
+        <p:nvSpPr>
+          <p:cNvPr id="5" name="Rezervirano mjesto bilježaka 4"/>
+          <p:cNvSpPr>
+            <a:spLocks noGrp="1"/>
+          </p:cNvSpPr>
+          <p:nvPr>
+            <p:ph type="body" sz="quarter" idx="3"/>
+          </p:nvPr>
+        </p:nvSpPr>
+        <p:spPr>
+          <a:xfrm>
+            <a:off x="685800" y="4400550"/>
+            <a:ext cx="5486400" cy="3600450"/>
+          </a:xfrm>
+          <a:prstGeom prst="rect">
+            <a:avLst/>
+          </a:prstGeom>
+        </p:spPr>
+        <p:txBody>
+          <a:bodyPr vert="horz" lIns="91440" tIns="45720" rIns="91440" bIns="45720" rtlCol="0"/>
+          <a:lstStyle/>
+          <a:p>
+            <a:pPr lvl="0"/>
+            <a:r>
+              <a:rPr lang="hr-HR" smtClean="0"/>
+              <a:t>Uredite stilove teksta matrice</a:t>
+            </a:r>
+          </a:p>
+          <a:p>
+            <a:pPr lvl="1"/>
+            <a:r>
+              <a:rPr lang="hr-HR" smtClean="0"/>
+              <a:t>Druga razina</a:t>
+            </a:r>
+          </a:p>
+          <a:p>
+            <a:pPr lvl="2"/>
+            <a:r>
+              <a:rPr lang="hr-HR" smtClean="0"/>
+              <a:t>Treća razina</a:t>
+            </a:r>
+          </a:p>
+          <a:p>
+            <a:pPr lvl="3"/>
+            <a:r>
+              <a:rPr lang="hr-HR" smtClean="0"/>
+              <a:t>Četvrta razina</a:t>
+            </a:r>
+          </a:p>
+          <a:p>
+            <a:pPr lvl="4"/>
+            <a:r>
+              <a:rPr lang="hr-HR" smtClean="0"/>
+              <a:t>Peta razina</a:t>
+            </a:r>
+            <a:endParaRPr lang="hr-HR"/>
+          </a:p>
+        </p:txBody>
+      </p:sp>
+      <p:sp>
+        <p:nvSpPr>
+          <p:cNvPr id="6" name="Rezervirano mjesto podnožja 5"/>
+          <p:cNvSpPr>
+            <a:spLocks noGrp="1"/>
+          </p:cNvSpPr>
+          <p:nvPr>
+            <p:ph type="ftr" sz="quarter" idx="4"/>
+          </p:nvPr>
+        </p:nvSpPr>
+        <p:spPr>
+          <a:xfrm>
+            <a:off x="0" y="8685213"/>
+            <a:ext cx="2971800" cy="458787"/>
+          </a:xfrm>
+          <a:prstGeom prst="rect">
+            <a:avLst/>
+          </a:prstGeom>
+        </p:spPr>
+        <p:txBody>
+          <a:bodyPr vert="horz" lIns="91440" tIns="45720" rIns="91440" bIns="45720" rtlCol="0" anchor="b"/>
+          <a:lstStyle>
+            <a:lvl1pPr algn="l">
+              <a:defRPr sz="1200"/>
+            </a:lvl1pPr>
+          </a:lstStyle>
+          <a:p>
+            <a:endParaRPr lang="hr-HR"/>
+          </a:p>
+        </p:txBody>
+      </p:sp>
+      <p:sp>
+        <p:nvSpPr>
+          <p:cNvPr id="7" name="Rezervirano mjesto broja slajda 6"/>
+          <p:cNvSpPr>
+            <a:spLocks noGrp="1"/>
+          </p:cNvSpPr>
+          <p:nvPr>
+            <p:ph type="sldNum" sz="quarter" idx="5"/>
+          </p:nvPr>
+        </p:nvSpPr>
+        <p:spPr>
+          <a:xfrm>
+            <a:off x="3884613" y="8685213"/>
+            <a:ext cx="2971800" cy="458787"/>
+          </a:xfrm>
+          <a:prstGeom prst="rect">
+            <a:avLst/>
+          </a:prstGeom>
+        </p:spPr>
+        <p:txBody>
+          <a:bodyPr vert="horz" lIns="91440" tIns="45720" rIns="91440" bIns="45720" rtlCol="0" anchor="b"/>
+          <a:lstStyle>
+            <a:lvl1pPr algn="r">
+              <a:defRPr sz="1200"/>
+            </a:lvl1pPr>
+          </a:lstStyle>
+          <a:p>
+            <a:fld id="{58C63DB6-863B-4866-B6BB-955CB90FA6D1}" type="slidenum">
+              <a:rPr lang="hr-HR" smtClean="0"/>
+              <a:t>‹#›</a:t>
+            </a:fld>
+            <a:endParaRPr lang="hr-HR"/>
+          </a:p>
+        </p:txBody>
+      </p:sp>
+    </p:spTree>
+    <p:extLst>
+      <p:ext uri="{BB962C8B-B14F-4D97-AF65-F5344CB8AC3E}">
+        <p14:creationId xmlns:p14="http://schemas.microsoft.com/office/powerpoint/2010/main" val="174398275"/>
+      </p:ext>
+    </p:extLst>
+  </p:cSld>
+  <p:clrMap bg1="lt1" tx1="dk1" bg2="lt2" tx2="dk2" accent1="accent1" accent2="accent2" accent3="accent3" accent4="accent4" accent5="accent5" accent6="accent6" hlink="hlink" folHlink="folHlink"/>
+  <p:notesStyle>
+    <a:lvl1pPr marL="0" algn="l" defTabSz="914400" rtl="0" eaLnBrk="1" latinLnBrk="0" hangingPunct="1">
+      <a:defRPr sz="1200" kern="1200">
+        <a:solidFill>
+          <a:schemeClr val="tx1"/>
+        </a:solidFill>
+        <a:latin typeface="+mn-lt"/>
+        <a:ea typeface="+mn-ea"/>
+        <a:cs typeface="+mn-cs"/>
+      </a:defRPr>
+    </a:lvl1pPr>
+    <a:lvl2pPr marL="457200" algn="l" defTabSz="914400" rtl="0" eaLnBrk="1" latinLnBrk="0" hangingPunct="1">
+      <a:defRPr sz="1200" kern="1200">
+        <a:solidFill>
+          <a:schemeClr val="tx1"/>
+        </a:solidFill>
+        <a:latin typeface="+mn-lt"/>
+        <a:ea typeface="+mn-ea"/>
+        <a:cs typeface="+mn-cs"/>
+      </a:defRPr>
+    </a:lvl2pPr>
+    <a:lvl3pPr marL="914400" algn="l" defTabSz="914400" rtl="0" eaLnBrk="1" latinLnBrk="0" hangingPunct="1">
+      <a:defRPr sz="1200" kern="1200">
+        <a:solidFill>
+          <a:schemeClr val="tx1"/>
+        </a:solidFill>
+        <a:latin typeface="+mn-lt"/>
+        <a:ea typeface="+mn-ea"/>
+        <a:cs typeface="+mn-cs"/>
+      </a:defRPr>
+    </a:lvl3pPr>
+    <a:lvl4pPr marL="1371600" algn="l" defTabSz="914400" rtl="0" eaLnBrk="1" latinLnBrk="0" hangingPunct="1">
+      <a:defRPr sz="1200" kern="1200">
+        <a:solidFill>
+          <a:schemeClr val="tx1"/>
+        </a:solidFill>
+        <a:latin typeface="+mn-lt"/>
+        <a:ea typeface="+mn-ea"/>
+        <a:cs typeface="+mn-cs"/>
+      </a:defRPr>
+    </a:lvl4pPr>
+    <a:lvl5pPr marL="1828800" algn="l" defTabSz="914400" rtl="0" eaLnBrk="1" latinLnBrk="0" hangingPunct="1">
+      <a:defRPr sz="1200" kern="1200">
+        <a:solidFill>
+          <a:schemeClr val="tx1"/>
+        </a:solidFill>
+        <a:latin typeface="+mn-lt"/>
+        <a:ea typeface="+mn-ea"/>
+        <a:cs typeface="+mn-cs"/>
+      </a:defRPr>
+    </a:lvl5pPr>
+    <a:lvl6pPr marL="2286000" algn="l" defTabSz="914400" rtl="0" eaLnBrk="1" latinLnBrk="0" hangingPunct="1">
+      <a:defRPr sz="1200" kern="1200">
+        <a:solidFill>
+          <a:schemeClr val="tx1"/>
+        </a:solidFill>
+        <a:latin typeface="+mn-lt"/>
+        <a:ea typeface="+mn-ea"/>
+        <a:cs typeface="+mn-cs"/>
+      </a:defRPr>
+    </a:lvl6pPr>
+    <a:lvl7pPr marL="2743200" algn="l" defTabSz="914400" rtl="0" eaLnBrk="1" latinLnBrk="0" hangingPunct="1">
+      <a:defRPr sz="1200" kern="1200">
+        <a:solidFill>
+          <a:schemeClr val="tx1"/>
+        </a:solidFill>
+        <a:latin typeface="+mn-lt"/>
+        <a:ea typeface="+mn-ea"/>
+        <a:cs typeface="+mn-cs"/>
+      </a:defRPr>
+    </a:lvl7pPr>
+    <a:lvl8pPr marL="3200400" algn="l" defTabSz="914400" rtl="0" eaLnBrk="1" latinLnBrk="0" hangingPunct="1">
+      <a:defRPr sz="1200" kern="1200">
+        <a:solidFill>
+          <a:schemeClr val="tx1"/>
+        </a:solidFill>
+        <a:latin typeface="+mn-lt"/>
+        <a:ea typeface="+mn-ea"/>
+        <a:cs typeface="+mn-cs"/>
+      </a:defRPr>
+    </a:lvl8pPr>
+    <a:lvl9pPr marL="3657600" algn="l" defTabSz="914400" rtl="0" eaLnBrk="1" latinLnBrk="0" hangingPunct="1">
+      <a:defRPr sz="1200" kern="1200">
+        <a:solidFill>
+          <a:schemeClr val="tx1"/>
+        </a:solidFill>
+        <a:latin typeface="+mn-lt"/>
+        <a:ea typeface="+mn-ea"/>
+        <a:cs typeface="+mn-cs"/>
+      </a:defRPr>
+    </a:lvl9pPr>
+  </p:notesStyle>
+</p:notesMaster>
+</file>
+
+<file path=ppt/notesSlides/notesSlide1.xml><?xml version="1.0" encoding="utf-8"?>
+<p:notes xmlns:a="http://schemas.openxmlformats.org/drawingml/2006/main" xmlns:r="http://schemas.openxmlformats.org/officeDocument/2006/relationships" xmlns:p="http://schemas.openxmlformats.org/presentationml/2006/main">
+  <p:cSld>
+    <p:spTree>
+      <p:nvGrpSpPr>
+        <p:cNvPr id="1" name=""/>
+        <p:cNvGrpSpPr/>
+        <p:nvPr/>
+      </p:nvGrpSpPr>
+      <p:grpSpPr>
+        <a:xfrm>
+          <a:off x="0" y="0"/>
+          <a:ext cx="0" cy="0"/>
+          <a:chOff x="0" y="0"/>
+          <a:chExt cx="0" cy="0"/>
+        </a:xfrm>
+      </p:grpSpPr>
+      <p:sp>
+        <p:nvSpPr>
+          <p:cNvPr id="2" name="Rezervirano mjesto slike slajda 1"/>
+          <p:cNvSpPr>
+            <a:spLocks noGrp="1" noRot="1" noChangeAspect="1"/>
+          </p:cNvSpPr>
+          <p:nvPr>
+            <p:ph type="sldImg"/>
+          </p:nvPr>
+        </p:nvSpPr>
+        <p:spPr/>
+      </p:sp>
+      <p:sp>
+        <p:nvSpPr>
+          <p:cNvPr id="3" name="Rezervirano mjesto bilježaka 2"/>
+          <p:cNvSpPr>
+            <a:spLocks noGrp="1"/>
+          </p:cNvSpPr>
+          <p:nvPr>
+            <p:ph type="body" idx="1"/>
+          </p:nvPr>
+        </p:nvSpPr>
+        <p:spPr/>
+        <p:txBody>
+          <a:bodyPr/>
+          <a:lstStyle/>
+          <a:p>
+            <a:endParaRPr lang="hr-HR"/>
+          </a:p>
+        </p:txBody>
+      </p:sp>
+      <p:sp>
+        <p:nvSpPr>
+          <p:cNvPr id="4" name="Rezervirano mjesto broja slajda 3"/>
+          <p:cNvSpPr>
+            <a:spLocks noGrp="1"/>
+          </p:cNvSpPr>
+          <p:nvPr>
+            <p:ph type="sldNum" sz="quarter" idx="10"/>
+          </p:nvPr>
+        </p:nvSpPr>
+        <p:spPr/>
+        <p:txBody>
+          <a:bodyPr/>
+          <a:lstStyle/>
+          <a:p>
+            <a:fld id="{58C63DB6-863B-4866-B6BB-955CB90FA6D1}" type="slidenum">
+              <a:rPr lang="hr-HR" smtClean="0"/>
+              <a:t>1</a:t>
+            </a:fld>
+            <a:endParaRPr lang="hr-HR"/>
+          </a:p>
+        </p:txBody>
+      </p:sp>
+    </p:spTree>
+    <p:extLst>
+      <p:ext uri="{BB962C8B-B14F-4D97-AF65-F5344CB8AC3E}">
+        <p14:creationId xmlns:p14="http://schemas.microsoft.com/office/powerpoint/2010/main" val="60139294"/>
+      </p:ext>
+    </p:extLst>
+  </p:cSld>
+  <p:clrMapOvr>
+    <a:masterClrMapping/>
+  </p:clrMapOvr>
+</p:notes>
+</file>
+
+<file path=ppt/notesSlides/notesSlide2.xml><?xml version="1.0" encoding="utf-8"?>
+<p:notes xmlns:a="http://schemas.openxmlformats.org/drawingml/2006/main" xmlns:r="http://schemas.openxmlformats.org/officeDocument/2006/relationships" xmlns:p="http://schemas.openxmlformats.org/presentationml/2006/main">
+  <p:cSld>
+    <p:spTree>
+      <p:nvGrpSpPr>
+        <p:cNvPr id="1" name=""/>
+        <p:cNvGrpSpPr/>
+        <p:nvPr/>
+      </p:nvGrpSpPr>
+      <p:grpSpPr>
+        <a:xfrm>
+          <a:off x="0" y="0"/>
+          <a:ext cx="0" cy="0"/>
+          <a:chOff x="0" y="0"/>
+          <a:chExt cx="0" cy="0"/>
+        </a:xfrm>
+      </p:grpSpPr>
+      <p:sp>
+        <p:nvSpPr>
+          <p:cNvPr id="2" name="Rezervirano mjesto slike slajda 1"/>
+          <p:cNvSpPr>
+            <a:spLocks noGrp="1" noRot="1" noChangeAspect="1"/>
+          </p:cNvSpPr>
+          <p:nvPr>
+            <p:ph type="sldImg"/>
+          </p:nvPr>
+        </p:nvSpPr>
+        <p:spPr/>
+      </p:sp>
+      <p:sp>
+        <p:nvSpPr>
+          <p:cNvPr id="3" name="Rezervirano mjesto bilježaka 2"/>
+          <p:cNvSpPr>
+            <a:spLocks noGrp="1"/>
+          </p:cNvSpPr>
+          <p:nvPr>
+            <p:ph type="body" idx="1"/>
+          </p:nvPr>
+        </p:nvSpPr>
+        <p:spPr/>
+        <p:txBody>
+          <a:bodyPr/>
+          <a:lstStyle/>
+          <a:p>
+            <a:endParaRPr lang="hr-HR"/>
+          </a:p>
+        </p:txBody>
+      </p:sp>
+      <p:sp>
+        <p:nvSpPr>
+          <p:cNvPr id="4" name="Rezervirano mjesto broja slajda 3"/>
+          <p:cNvSpPr>
+            <a:spLocks noGrp="1"/>
+          </p:cNvSpPr>
+          <p:nvPr>
+            <p:ph type="sldNum" sz="quarter" idx="10"/>
+          </p:nvPr>
+        </p:nvSpPr>
+        <p:spPr/>
+        <p:txBody>
+          <a:bodyPr/>
+          <a:lstStyle/>
+          <a:p>
+            <a:fld id="{58C63DB6-863B-4866-B6BB-955CB90FA6D1}" type="slidenum">
+              <a:rPr lang="hr-HR" smtClean="0"/>
+              <a:t>2</a:t>
+            </a:fld>
+            <a:endParaRPr lang="hr-HR"/>
+          </a:p>
+        </p:txBody>
+      </p:sp>
+    </p:spTree>
+    <p:extLst>
+      <p:ext uri="{BB962C8B-B14F-4D97-AF65-F5344CB8AC3E}">
+        <p14:creationId xmlns:p14="http://schemas.microsoft.com/office/powerpoint/2010/main" val="951136509"/>
+      </p:ext>
+    </p:extLst>
+  </p:cSld>
+  <p:clrMapOvr>
+    <a:masterClrMapping/>
+  </p:clrMapOvr>
+</p:notes>
+</file>
+
+<file path=ppt/notesSlides/notesSlide3.xml><?xml version="1.0" encoding="utf-8"?>
+<p:notes xmlns:a="http://schemas.openxmlformats.org/drawingml/2006/main" xmlns:r="http://schemas.openxmlformats.org/officeDocument/2006/relationships" xmlns:p="http://schemas.openxmlformats.org/presentationml/2006/main">
+  <p:cSld>
+    <p:spTree>
+      <p:nvGrpSpPr>
+        <p:cNvPr id="1" name=""/>
+        <p:cNvGrpSpPr/>
+        <p:nvPr/>
+      </p:nvGrpSpPr>
+      <p:grpSpPr>
+        <a:xfrm>
+          <a:off x="0" y="0"/>
+          <a:ext cx="0" cy="0"/>
+          <a:chOff x="0" y="0"/>
+          <a:chExt cx="0" cy="0"/>
+        </a:xfrm>
+      </p:grpSpPr>
+      <p:sp>
+        <p:nvSpPr>
+          <p:cNvPr id="2" name="Rezervirano mjesto slike slajda 1"/>
+          <p:cNvSpPr>
+            <a:spLocks noGrp="1" noRot="1" noChangeAspect="1"/>
+          </p:cNvSpPr>
+          <p:nvPr>
+            <p:ph type="sldImg"/>
+          </p:nvPr>
+        </p:nvSpPr>
+        <p:spPr/>
+      </p:sp>
+      <p:sp>
+        <p:nvSpPr>
+          <p:cNvPr id="3" name="Rezervirano mjesto bilježaka 2"/>
+          <p:cNvSpPr>
+            <a:spLocks noGrp="1"/>
+          </p:cNvSpPr>
+          <p:nvPr>
+            <p:ph type="body" idx="1"/>
+          </p:nvPr>
+        </p:nvSpPr>
+        <p:spPr/>
+        <p:txBody>
+          <a:bodyPr/>
+          <a:lstStyle/>
+          <a:p>
+            <a:endParaRPr lang="hr-HR"/>
+          </a:p>
+        </p:txBody>
+      </p:sp>
+      <p:sp>
+        <p:nvSpPr>
+          <p:cNvPr id="4" name="Rezervirano mjesto broja slajda 3"/>
+          <p:cNvSpPr>
+            <a:spLocks noGrp="1"/>
+          </p:cNvSpPr>
+          <p:nvPr>
+            <p:ph type="sldNum" sz="quarter" idx="10"/>
+          </p:nvPr>
+        </p:nvSpPr>
+        <p:spPr/>
+        <p:txBody>
+          <a:bodyPr/>
+          <a:lstStyle/>
+          <a:p>
+            <a:fld id="{58C63DB6-863B-4866-B6BB-955CB90FA6D1}" type="slidenum">
+              <a:rPr lang="hr-HR" smtClean="0"/>
+              <a:t>7</a:t>
+            </a:fld>
+            <a:endParaRPr lang="hr-HR"/>
+          </a:p>
+        </p:txBody>
+      </p:sp>
+    </p:spTree>
+    <p:extLst>
+      <p:ext uri="{BB962C8B-B14F-4D97-AF65-F5344CB8AC3E}">
+        <p14:creationId xmlns:p14="http://schemas.microsoft.com/office/powerpoint/2010/main" val="1555620999"/>
+      </p:ext>
+    </p:extLst>
+  </p:cSld>
+  <p:clrMapOvr>
+    <a:masterClrMapping/>
+  </p:clrMapOvr>
+</p:notes>
+</file>
+
 <file path=ppt/slideLayouts/slideLayout1.xml><?xml version="1.0" encoding="utf-8"?>
 <p:sldLayout xmlns:a="http://schemas.openxmlformats.org/drawingml/2006/main" xmlns:r="http://schemas.openxmlformats.org/officeDocument/2006/relationships" xmlns:p="http://schemas.openxmlformats.org/presentationml/2006/main" type="title" preserve="1">
   <p:cSld name="Naslovni slajd">
@@ -1792,10 +2383,9 @@
             </a:lvl1pPr>
           </a:lstStyle>
           <a:p>
-            <a:fld id="{B61BEF0D-F0BB-DE4B-95CE-6DB70DBA9567}" type="datetimeFigureOut">
+            <a:fld id="{29219AE2-0116-4B77-8EE0-A37B8CE64B8E}" type="datetime1">
               <a:rPr lang="en-US" smtClean="0"/>
-              <a:pPr/>
-              <a:t>1/23/2016</a:t>
+              <a:t>1/25/2016</a:t>
             </a:fld>
             <a:endParaRPr lang="en-US" dirty="0"/>
           </a:p>
@@ -2056,10 +2646,9 @@
           <a:bodyPr/>
           <a:lstStyle/>
           <a:p>
-            <a:fld id="{B61BEF0D-F0BB-DE4B-95CE-6DB70DBA9567}" type="datetimeFigureOut">
+            <a:fld id="{67D90C99-94F6-4447-B5C7-F0A6C329C443}" type="datetime1">
               <a:rPr lang="en-US" smtClean="0"/>
-              <a:pPr/>
-              <a:t>1/23/2016</a:t>
+              <a:t>1/25/2016</a:t>
             </a:fld>
             <a:endParaRPr lang="en-US" dirty="0"/>
           </a:p>
@@ -2293,10 +2882,9 @@
             </a:lvl1pPr>
           </a:lstStyle>
           <a:p>
-            <a:fld id="{B61BEF0D-F0BB-DE4B-95CE-6DB70DBA9567}" type="datetimeFigureOut">
+            <a:fld id="{CDA93D7F-49B9-4C61-8B05-667C27EDEB27}" type="datetime1">
               <a:rPr lang="en-US" smtClean="0"/>
-              <a:pPr/>
-              <a:t>1/23/2016</a:t>
+              <a:t>1/25/2016</a:t>
             </a:fld>
             <a:endParaRPr lang="en-US" dirty="0"/>
           </a:p>
@@ -2535,10 +3123,9 @@
           <a:bodyPr/>
           <a:lstStyle/>
           <a:p>
-            <a:fld id="{B61BEF0D-F0BB-DE4B-95CE-6DB70DBA9567}" type="datetimeFigureOut">
+            <a:fld id="{E9F90BC2-C6B1-4FFE-9616-367EFD7A3C5C}" type="datetime1">
               <a:rPr lang="en-US" smtClean="0"/>
-              <a:pPr/>
-              <a:t>1/23/2016</a:t>
+              <a:t>1/25/2016</a:t>
             </a:fld>
             <a:endParaRPr lang="en-US" dirty="0"/>
           </a:p>
@@ -2844,10 +3431,9 @@
             </a:lvl1pPr>
           </a:lstStyle>
           <a:p>
-            <a:fld id="{B61BEF0D-F0BB-DE4B-95CE-6DB70DBA9567}" type="datetimeFigureOut">
+            <a:fld id="{E610F753-5B93-43CD-B104-E2825596EFC5}" type="datetime1">
               <a:rPr lang="en-US" smtClean="0"/>
-              <a:pPr/>
-              <a:t>1/23/2016</a:t>
+              <a:t>1/25/2016</a:t>
             </a:fld>
             <a:endParaRPr lang="en-US" dirty="0"/>
           </a:p>
@@ -3148,10 +3734,9 @@
           <a:bodyPr/>
           <a:lstStyle/>
           <a:p>
-            <a:fld id="{B61BEF0D-F0BB-DE4B-95CE-6DB70DBA9567}" type="datetimeFigureOut">
+            <a:fld id="{BC3E45DA-7C17-4B84-86D1-FDBDFC89CC62}" type="datetime1">
               <a:rPr lang="en-US" smtClean="0"/>
-              <a:pPr/>
-              <a:t>1/23/2016</a:t>
+              <a:t>1/25/2016</a:t>
             </a:fld>
             <a:endParaRPr lang="en-US" dirty="0"/>
           </a:p>
@@ -3572,10 +4157,9 @@
           <a:bodyPr/>
           <a:lstStyle/>
           <a:p>
-            <a:fld id="{B61BEF0D-F0BB-DE4B-95CE-6DB70DBA9567}" type="datetimeFigureOut">
+            <a:fld id="{C2B81094-5684-4C2C-B1CB-001A52590EFD}" type="datetime1">
               <a:rPr lang="en-US" smtClean="0"/>
-              <a:pPr/>
-              <a:t>1/23/2016</a:t>
+              <a:t>1/25/2016</a:t>
             </a:fld>
             <a:endParaRPr lang="en-US" dirty="0"/>
           </a:p>
@@ -3669,10 +4253,9 @@
           <a:bodyPr/>
           <a:lstStyle/>
           <a:p>
-            <a:fld id="{B61BEF0D-F0BB-DE4B-95CE-6DB70DBA9567}" type="datetimeFigureOut">
+            <a:fld id="{F99E0C0D-886D-4342-AAA0-828037299E75}" type="datetime1">
               <a:rPr lang="en-US" smtClean="0"/>
-              <a:pPr/>
-              <a:t>1/23/2016</a:t>
+              <a:t>1/25/2016</a:t>
             </a:fld>
             <a:endParaRPr lang="en-US" dirty="0"/>
           </a:p>
@@ -3833,10 +4416,9 @@
           <a:bodyPr/>
           <a:lstStyle/>
           <a:p>
-            <a:fld id="{B61BEF0D-F0BB-DE4B-95CE-6DB70DBA9567}" type="datetimeFigureOut">
+            <a:fld id="{35185806-91DA-47BD-96FE-4B980207B0DE}" type="datetime1">
               <a:rPr lang="en-US" smtClean="0"/>
-              <a:pPr/>
-              <a:t>1/23/2016</a:t>
+              <a:t>1/25/2016</a:t>
             </a:fld>
             <a:endParaRPr lang="en-US" dirty="0"/>
           </a:p>
@@ -4213,10 +4795,9 @@
             </a:lvl1pPr>
           </a:lstStyle>
           <a:p>
-            <a:fld id="{B61BEF0D-F0BB-DE4B-95CE-6DB70DBA9567}" type="datetimeFigureOut">
+            <a:fld id="{726DBF1E-9DFC-45C5-8762-892D719CB667}" type="datetime1">
               <a:rPr lang="en-US" smtClean="0"/>
-              <a:pPr/>
-              <a:t>1/23/2016</a:t>
+              <a:t>1/25/2016</a:t>
             </a:fld>
             <a:endParaRPr lang="en-US" dirty="0"/>
           </a:p>
@@ -4415,7 +4996,7 @@
           </a:lstStyle>
           <a:p>
             <a:r>
-              <a:rPr lang="hr-HR" smtClean="0"/>
+              <a:rPr lang="hr-HR" dirty="0" smtClean="0"/>
               <a:t>Kliknite ikonu da biste dodali  sliku</a:t>
             </a:r>
             <a:endParaRPr lang="en-US" dirty="0"/>
@@ -4504,10 +5085,9 @@
           <a:bodyPr/>
           <a:lstStyle/>
           <a:p>
-            <a:fld id="{B61BEF0D-F0BB-DE4B-95CE-6DB70DBA9567}" type="datetimeFigureOut">
+            <a:fld id="{F90DF059-B0F0-4A2D-A545-A6AE3328325C}" type="datetime1">
               <a:rPr lang="en-US" smtClean="0"/>
-              <a:pPr/>
-              <a:t>1/23/2016</a:t>
+              <a:t>1/25/2016</a:t>
             </a:fld>
             <a:endParaRPr lang="en-US" dirty="0"/>
           </a:p>
@@ -4717,10 +5297,9 @@
             </a:lvl1pPr>
           </a:lstStyle>
           <a:p>
-            <a:fld id="{B61BEF0D-F0BB-DE4B-95CE-6DB70DBA9567}" type="datetimeFigureOut">
+            <a:fld id="{49F709A5-9258-4B88-B65B-829E65D2808B}" type="datetime1">
               <a:rPr lang="en-US" smtClean="0"/>
-              <a:pPr/>
-              <a:t>1/23/2016</a:t>
+              <a:t>1/25/2016</a:t>
             </a:fld>
             <a:endParaRPr lang="en-US" dirty="0"/>
           </a:p>
@@ -4933,6 +5512,7 @@
     <p:sldLayoutId id="2147483682" r:id="rId10"/>
     <p:sldLayoutId id="2147483683" r:id="rId11"/>
   </p:sldLayoutIdLst>
+  <p:hf hdr="0" ftr="0" dt="0"/>
   <p:txStyles>
     <p:titleStyle>
       <a:lvl1pPr algn="l" defTabSz="457200" rtl="0" eaLnBrk="1" latinLnBrk="0" hangingPunct="1">
@@ -5370,20 +5950,9 @@
           <a:lstStyle/>
           <a:p>
             <a:r>
-              <a:rPr lang="hr-HR" b="1" dirty="0"/>
-              <a:t>Projekt</a:t>
-            </a:r>
-            <a:r>
-              <a:rPr lang="hr-HR" dirty="0"/>
-              <a:t> iz Oblikovanja programske </a:t>
-            </a:r>
-            <a:r>
-              <a:rPr lang="hr-HR" dirty="0" smtClean="0"/>
-              <a:t>potpore 2015/2016</a:t>
-            </a:r>
-            <a:endParaRPr lang="hr-HR" dirty="0"/>
-          </a:p>
-          <a:p>
+              <a:rPr lang="hr-HR" dirty="0" err="1" smtClean="0"/>
+              <a:t>Bananablade</a:t>
+            </a:r>
             <a:endParaRPr lang="hr-HR" dirty="0"/>
           </a:p>
         </p:txBody>
@@ -5397,7 +5966,7 @@
         <p:spPr>
           <a:xfrm>
             <a:off x="581191" y="3425780"/>
-            <a:ext cx="5885645" cy="369332"/>
+            <a:ext cx="10993549" cy="1061829"/>
           </a:xfrm>
           <a:prstGeom prst="rect">
             <a:avLst/>
@@ -5411,14 +5980,39 @@
           <a:lstStyle/>
           <a:p>
             <a:r>
-              <a:rPr lang="hr-HR" b="1" dirty="0" smtClean="0">
+              <a:rPr lang="hr-HR" sz="2000" b="1" cap="small" dirty="0" smtClean="0">
                 <a:solidFill>
                   <a:schemeClr val="bg1"/>
                 </a:solidFill>
               </a:rPr>
-              <a:t>BANANABLADE</a:t>
-            </a:r>
-            <a:endParaRPr lang="hr-HR" sz="2000" b="1" dirty="0">
+              <a:t>Sveučilište u Zagrebu</a:t>
+            </a:r>
+          </a:p>
+          <a:p>
+            <a:pPr>
+              <a:lnSpc>
+                <a:spcPct val="125000"/>
+              </a:lnSpc>
+            </a:pPr>
+            <a:r>
+              <a:rPr lang="hr-HR" sz="2000" b="1" cap="small" dirty="0" smtClean="0">
+                <a:solidFill>
+                  <a:schemeClr val="bg1"/>
+                </a:solidFill>
+              </a:rPr>
+              <a:t>Fakultet elektrotehnike i računarstva</a:t>
+            </a:r>
+          </a:p>
+          <a:p>
+            <a:r>
+              <a:rPr lang="hr-HR" sz="1600" dirty="0" smtClean="0">
+                <a:solidFill>
+                  <a:schemeClr val="bg1"/>
+                </a:solidFill>
+              </a:rPr>
+              <a:t>Zavod za elektroniku, mikroelektroniku, računalne i inteligentne sustave</a:t>
+            </a:r>
+            <a:endParaRPr lang="hr-HR" sz="1600" dirty="0">
               <a:solidFill>
                 <a:schemeClr val="bg1"/>
               </a:solidFill>
@@ -5426,6 +6020,99 @@
           </a:p>
         </p:txBody>
       </p:sp>
+      <p:sp>
+        <p:nvSpPr>
+          <p:cNvPr id="4" name="TekstniOkvir 3"/>
+          <p:cNvSpPr txBox="1"/>
+          <p:nvPr/>
+        </p:nvSpPr>
+        <p:spPr>
+          <a:xfrm>
+            <a:off x="581192" y="835765"/>
+            <a:ext cx="5446122" cy="338554"/>
+          </a:xfrm>
+          <a:prstGeom prst="rect">
+            <a:avLst/>
+          </a:prstGeom>
+          <a:noFill/>
+        </p:spPr>
+        <p:txBody>
+          <a:bodyPr wrap="square" rtlCol="0">
+            <a:spAutoFit/>
+          </a:bodyPr>
+          <a:lstStyle/>
+          <a:p>
+            <a:r>
+              <a:rPr lang="hr-HR" sz="1600" b="1" cap="small" dirty="0" smtClean="0"/>
+              <a:t>Oblikovanje programske potpore 	</a:t>
+            </a:r>
+            <a:r>
+              <a:rPr lang="hr-HR" sz="1400" cap="small" dirty="0" smtClean="0"/>
+              <a:t>2015./2016.</a:t>
+            </a:r>
+          </a:p>
+        </p:txBody>
+      </p:sp>
+      <p:pic>
+        <p:nvPicPr>
+          <p:cNvPr id="5" name="Slika 4"/>
+          <p:cNvPicPr>
+            <a:picLocks noChangeAspect="1"/>
+          </p:cNvPicPr>
+          <p:nvPr/>
+        </p:nvPicPr>
+        <p:blipFill>
+          <a:blip r:embed="rId3">
+            <a:extLst>
+              <a:ext uri="{28A0092B-C50C-407E-A947-70E740481C1C}">
+                <a14:useLocalDpi xmlns:a14="http://schemas.microsoft.com/office/drawing/2010/main" val="0"/>
+              </a:ext>
+            </a:extLst>
+          </a:blip>
+          <a:stretch>
+            <a:fillRect/>
+          </a:stretch>
+        </p:blipFill>
+        <p:spPr>
+          <a:xfrm>
+            <a:off x="10429093" y="835765"/>
+            <a:ext cx="877983" cy="1319667"/>
+          </a:xfrm>
+          <a:prstGeom prst="rect">
+            <a:avLst/>
+          </a:prstGeom>
+        </p:spPr>
+      </p:pic>
+      <p:pic>
+        <p:nvPicPr>
+          <p:cNvPr id="7" name="Slika 6"/>
+          <p:cNvPicPr>
+            <a:picLocks noChangeAspect="1"/>
+          </p:cNvPicPr>
+          <p:nvPr/>
+        </p:nvPicPr>
+        <p:blipFill>
+          <a:blip r:embed="rId4">
+            <a:extLst>
+              <a:ext uri="{28A0092B-C50C-407E-A947-70E740481C1C}">
+                <a14:useLocalDpi xmlns:a14="http://schemas.microsoft.com/office/drawing/2010/main" val="0"/>
+              </a:ext>
+            </a:extLst>
+          </a:blip>
+          <a:stretch>
+            <a:fillRect/>
+          </a:stretch>
+        </p:blipFill>
+        <p:spPr>
+          <a:xfrm>
+            <a:off x="10161429" y="4827623"/>
+            <a:ext cx="1413309" cy="1413309"/>
+          </a:xfrm>
+          <a:prstGeom prst="rect">
+            <a:avLst/>
+          </a:prstGeom>
+        </p:spPr>
+      </p:pic>
     </p:spTree>
     <p:extLst>
       <p:ext uri="{BB962C8B-B14F-4D97-AF65-F5344CB8AC3E}">
@@ -5436,6 +6123,13 @@
   <p:clrMapOvr>
     <a:masterClrMapping/>
   </p:clrMapOvr>
+  <p:timing>
+    <p:tnLst>
+      <p:par>
+        <p:cTn id="1" dur="indefinite" restart="never" nodeType="tmRoot"/>
+      </p:par>
+    </p:tnLst>
+  </p:timing>
 </p:sld>
 </file>
 
@@ -5473,7 +6167,7 @@
           <a:p>
             <a:r>
               <a:rPr lang="hr-HR" dirty="0" smtClean="0"/>
-              <a:t>6. Iskustva</a:t>
+              <a:t>5.2 Podjela zaduženja</a:t>
             </a:r>
             <a:endParaRPr lang="hr-HR" dirty="0"/>
           </a:p>
@@ -5492,7 +6186,7 @@
         <p:spPr>
           <a:xfrm>
             <a:off x="581192" y="2180496"/>
-            <a:ext cx="11029615" cy="4400608"/>
+            <a:ext cx="11029615" cy="4143031"/>
           </a:xfrm>
         </p:spPr>
         <p:txBody>
@@ -5503,170 +6197,123 @@
           <a:p>
             <a:r>
               <a:rPr lang="hr-HR" sz="2400" dirty="0" smtClean="0"/>
-              <a:t>Naučeno</a:t>
-            </a:r>
-            <a:r>
-              <a:rPr lang="hr-HR" sz="2400" b="1" dirty="0" smtClean="0"/>
-              <a:t>:</a:t>
-            </a:r>
-            <a:endParaRPr lang="hr-HR" sz="2400" b="1" dirty="0"/>
+              <a:t>Izrada dokumentacije:</a:t>
+            </a:r>
           </a:p>
           <a:p>
             <a:pPr lvl="1"/>
-            <a:r>
-              <a:rPr lang="hr-HR" sz="2200" dirty="0" smtClean="0"/>
-              <a:t>Nove tehnologije – pozitivne i negativne strane</a:t>
-            </a:r>
-          </a:p>
-          <a:p>
-            <a:pPr lvl="1"/>
-            <a:r>
-              <a:rPr lang="hr-HR" sz="2200" dirty="0" smtClean="0"/>
-              <a:t>Važnost </a:t>
-            </a:r>
             <a:r>
               <a:rPr lang="hr-HR" sz="2200" b="1" dirty="0" smtClean="0">
                 <a:solidFill>
-                  <a:schemeClr val="accent3">
+                  <a:srgbClr val="00B0F0"/>
+                </a:solidFill>
+              </a:rPr>
+              <a:t>Svi</a:t>
+            </a:r>
+          </a:p>
+          <a:p>
+            <a:pPr lvl="1"/>
+            <a:r>
+              <a:rPr lang="hr-HR" sz="2200" dirty="0" smtClean="0"/>
+              <a:t>Raspored po pojedinim stavkama – dijagrami, opisi, odlomci – dogovor prema interesima i potrebnim znanjima</a:t>
+            </a:r>
+          </a:p>
+          <a:p>
+            <a:r>
+              <a:rPr lang="hr-HR" sz="2400" smtClean="0"/>
+              <a:t>Izrada aplikacije:</a:t>
+            </a:r>
+            <a:endParaRPr lang="hr-HR" sz="2400" dirty="0" smtClean="0"/>
+          </a:p>
+          <a:p>
+            <a:pPr lvl="1"/>
+            <a:r>
+              <a:rPr lang="hr-HR" sz="2200" dirty="0" smtClean="0"/>
+              <a:t>Prethodno iskustvo – </a:t>
+            </a:r>
+            <a:r>
+              <a:rPr lang="hr-HR" sz="2200" b="1" dirty="0" smtClean="0">
+                <a:solidFill>
+                  <a:srgbClr val="00B0F0"/>
+                </a:solidFill>
+              </a:rPr>
+              <a:t>jako poželjno</a:t>
+            </a:r>
+          </a:p>
+          <a:p>
+            <a:pPr lvl="1"/>
+            <a:r>
+              <a:rPr lang="hr-HR" sz="2200" dirty="0" smtClean="0"/>
+              <a:t>Upoznatost s korištenim principima i tehnologijama</a:t>
+            </a:r>
+          </a:p>
+          <a:p>
+            <a:pPr lvl="1"/>
+            <a:r>
+              <a:rPr lang="hr-HR" sz="2200" b="1" dirty="0" smtClean="0">
+                <a:solidFill>
+                  <a:srgbClr val="00B0F0"/>
+                </a:solidFill>
+              </a:rPr>
+              <a:t>Podjela posla</a:t>
+            </a:r>
+            <a:r>
+              <a:rPr lang="hr-HR" sz="2200" dirty="0" smtClean="0">
+                <a:solidFill>
+                  <a:schemeClr val="tx1">
                     <a:lumMod val="75000"/>
+                    <a:lumOff val="25000"/>
                   </a:schemeClr>
                 </a:solidFill>
               </a:rPr>
-              <a:t>iskustva</a:t>
-            </a:r>
-            <a:r>
-              <a:rPr lang="hr-HR" sz="2200" dirty="0" smtClean="0"/>
-              <a:t> za izradu dobrog proizvoda</a:t>
-            </a:r>
-          </a:p>
-          <a:p>
-            <a:pPr lvl="1"/>
-            <a:r>
-              <a:rPr lang="hr-HR" sz="2200" b="1" dirty="0" smtClean="0">
-                <a:solidFill>
-                  <a:schemeClr val="accent3">
-                    <a:lumMod val="75000"/>
-                  </a:schemeClr>
-                </a:solidFill>
-              </a:rPr>
-              <a:t>Strukturiranost</a:t>
-            </a:r>
-            <a:r>
-              <a:rPr lang="hr-HR" sz="2200" dirty="0" smtClean="0"/>
-              <a:t> i </a:t>
-            </a:r>
-            <a:r>
-              <a:rPr lang="hr-HR" sz="2200" b="1" dirty="0" smtClean="0">
-                <a:solidFill>
-                  <a:schemeClr val="accent3">
-                    <a:lumMod val="75000"/>
-                  </a:schemeClr>
-                </a:solidFill>
-              </a:rPr>
-              <a:t>konzistentnost</a:t>
-            </a:r>
-            <a:r>
-              <a:rPr lang="hr-HR" sz="2200" b="1" dirty="0" smtClean="0"/>
-              <a:t> </a:t>
-            </a:r>
-            <a:r>
-              <a:rPr lang="hr-HR" sz="2200" dirty="0" smtClean="0"/>
-              <a:t>bitno olakšavaju posao</a:t>
-            </a:r>
-            <a:endParaRPr lang="hr-HR" sz="2200" b="1" dirty="0" smtClean="0"/>
-          </a:p>
-          <a:p>
-            <a:pPr lvl="1"/>
-            <a:r>
-              <a:rPr lang="hr-HR" sz="2200" dirty="0" smtClean="0"/>
-              <a:t>Poštivanje dobrih</a:t>
-            </a:r>
-            <a:r>
-              <a:rPr lang="hr-HR" sz="2200" b="1" dirty="0" smtClean="0"/>
-              <a:t> </a:t>
-            </a:r>
-            <a:r>
-              <a:rPr lang="hr-HR" sz="2200" dirty="0" smtClean="0"/>
-              <a:t>praksi</a:t>
-            </a:r>
-            <a:r>
-              <a:rPr lang="hr-HR" sz="2200" b="1" dirty="0" smtClean="0"/>
-              <a:t> </a:t>
-            </a:r>
-            <a:r>
-              <a:rPr lang="hr-HR" sz="2200" dirty="0" smtClean="0"/>
-              <a:t>također</a:t>
-            </a:r>
-            <a:endParaRPr lang="hr-HR" sz="2200" b="1" dirty="0" smtClean="0"/>
-          </a:p>
-          <a:p>
-            <a:r>
-              <a:rPr lang="hr-HR" sz="2400" dirty="0" smtClean="0"/>
-              <a:t>Poželjno</a:t>
-            </a:r>
-            <a:r>
-              <a:rPr lang="hr-HR" sz="2400" b="1" dirty="0" smtClean="0"/>
               <a:t>:</a:t>
             </a:r>
           </a:p>
           <a:p>
-            <a:pPr lvl="1"/>
-            <a:r>
-              <a:rPr lang="hr-HR" sz="2400" b="1" dirty="0" err="1"/>
-              <a:t>Refactoring</a:t>
-            </a:r>
-            <a:r>
-              <a:rPr lang="hr-HR" sz="2200" b="1" dirty="0" smtClean="0"/>
-              <a:t> koda </a:t>
-            </a:r>
-            <a:r>
-              <a:rPr lang="hr-HR" sz="2200" dirty="0" smtClean="0"/>
-              <a:t>– djelomično </a:t>
-            </a:r>
-            <a:r>
-              <a:rPr lang="hr-HR" sz="2200" dirty="0" smtClean="0"/>
-              <a:t>proveden</a:t>
-            </a:r>
-          </a:p>
-          <a:p>
-            <a:r>
-              <a:rPr lang="hr-HR" sz="2400" dirty="0" smtClean="0"/>
-              <a:t>Napomene:</a:t>
-            </a:r>
-          </a:p>
-          <a:p>
-            <a:pPr lvl="1"/>
-            <a:r>
-              <a:rPr lang="hr-HR" sz="2200" dirty="0" err="1" smtClean="0"/>
-              <a:t>Git</a:t>
-            </a:r>
-            <a:r>
-              <a:rPr lang="hr-HR" sz="2200" dirty="0" smtClean="0"/>
-              <a:t> i </a:t>
-            </a:r>
-            <a:r>
-              <a:rPr lang="hr-HR" sz="2200" dirty="0" err="1" smtClean="0"/>
-              <a:t>Bitbucket</a:t>
-            </a:r>
-            <a:r>
-              <a:rPr lang="hr-HR" sz="2200" dirty="0" smtClean="0"/>
-              <a:t> – nisu najsretniji izbor za dokumentaciju</a:t>
-            </a:r>
-          </a:p>
-          <a:p>
-            <a:pPr lvl="1"/>
-            <a:r>
-              <a:rPr lang="hr-HR" sz="2200" dirty="0" smtClean="0"/>
-              <a:t>Bodovanje projekta</a:t>
-            </a:r>
-            <a:endParaRPr lang="hr-HR" sz="2200" dirty="0" smtClean="0"/>
+            <a:pPr lvl="2"/>
+            <a:r>
+              <a:rPr lang="hr-HR" sz="2000" dirty="0" smtClean="0"/>
+              <a:t>Dva člana – izrada koda</a:t>
+            </a:r>
+          </a:p>
+          <a:p>
+            <a:pPr lvl="2"/>
+            <a:r>
+              <a:rPr lang="hr-HR" sz="2000" dirty="0" smtClean="0"/>
+              <a:t>Ostali – savjeti, komentari, kritike; veći angažman oko dokumentacije</a:t>
+            </a:r>
+            <a:endParaRPr lang="hr-HR" sz="2000" dirty="0"/>
+          </a:p>
+        </p:txBody>
+      </p:sp>
+      <p:sp>
+        <p:nvSpPr>
+          <p:cNvPr id="5" name="Rezervirano mjesto broja slajda 4"/>
+          <p:cNvSpPr>
+            <a:spLocks noGrp="1"/>
+          </p:cNvSpPr>
+          <p:nvPr>
+            <p:ph type="sldNum" sz="quarter" idx="12"/>
+          </p:nvPr>
+        </p:nvSpPr>
+        <p:spPr/>
+        <p:txBody>
+          <a:bodyPr/>
+          <a:lstStyle/>
+          <a:p>
+            <a:fld id="{D57F1E4F-1CFF-5643-939E-217C01CDF565}" type="slidenum">
+              <a:rPr lang="en-US" smtClean="0"/>
+              <a:pPr/>
+              <a:t>10</a:t>
+            </a:fld>
+            <a:endParaRPr lang="en-US" dirty="0"/>
           </a:p>
         </p:txBody>
       </p:sp>
     </p:spTree>
     <p:extLst>
       <p:ext uri="{BB962C8B-B14F-4D97-AF65-F5344CB8AC3E}">
-        <p14:creationId xmlns:p14="http://schemas.microsoft.com/office/powerpoint/2010/main" val="2954564307"/>
+        <p14:creationId xmlns:p14="http://schemas.microsoft.com/office/powerpoint/2010/main" val="1533733997"/>
       </p:ext>
     </p:extLst>
   </p:cSld>
@@ -5717,7 +6364,7 @@
           <a:p>
             <a:r>
               <a:rPr lang="hr-HR" dirty="0" smtClean="0"/>
-              <a:t>7. Demonstracija</a:t>
+              <a:t>6. Iskustva</a:t>
             </a:r>
             <a:endParaRPr lang="hr-HR" dirty="0"/>
           </a:p>
@@ -5725,79 +6372,199 @@
       </p:sp>
       <p:sp>
         <p:nvSpPr>
-          <p:cNvPr id="4" name="Rezervirano mjesto sadržaja 3"/>
-          <p:cNvSpPr>
-            <a:spLocks noGrp="1"/>
-          </p:cNvSpPr>
-          <p:nvPr>
-            <p:ph sz="half" idx="1"/>
-          </p:nvPr>
-        </p:nvSpPr>
-        <p:spPr/>
+          <p:cNvPr id="3" name="Rezervirano mjesto sadržaja 2"/>
+          <p:cNvSpPr>
+            <a:spLocks noGrp="1"/>
+          </p:cNvSpPr>
+          <p:nvPr>
+            <p:ph idx="1"/>
+          </p:nvPr>
+        </p:nvSpPr>
+        <p:spPr>
+          <a:xfrm>
+            <a:off x="581192" y="2180496"/>
+            <a:ext cx="11029615" cy="4400608"/>
+          </a:xfrm>
+        </p:spPr>
         <p:txBody>
           <a:bodyPr>
-            <a:normAutofit/>
+            <a:normAutofit fontScale="92500" lnSpcReduction="10000"/>
           </a:bodyPr>
           <a:lstStyle/>
           <a:p>
-            <a:pPr marL="0" indent="0" algn="ctr">
-              <a:buNone/>
-            </a:pPr>
-            <a:r>
-              <a:rPr lang="hr-HR" sz="4000" dirty="0">
-                <a:hlinkClick r:id="rId2"/>
+            <a:r>
+              <a:rPr lang="hr-HR" sz="2400" dirty="0" smtClean="0"/>
+              <a:t>Naučeno</a:t>
+            </a:r>
+            <a:r>
+              <a:rPr lang="hr-HR" sz="2400" b="1" dirty="0" smtClean="0"/>
+              <a:t>:</a:t>
+            </a:r>
+            <a:endParaRPr lang="hr-HR" sz="2400" b="1" dirty="0"/>
+          </a:p>
+          <a:p>
+            <a:pPr lvl="1"/>
+            <a:r>
+              <a:rPr lang="hr-HR" sz="2200" dirty="0" smtClean="0"/>
+              <a:t>Nove tehnologije – pozitivne i negativne strane</a:t>
+            </a:r>
+          </a:p>
+          <a:p>
+            <a:pPr lvl="1"/>
+            <a:r>
+              <a:rPr lang="hr-HR" sz="2200" dirty="0" smtClean="0"/>
+              <a:t>Važnost </a:t>
+            </a:r>
+            <a:r>
+              <a:rPr lang="hr-HR" sz="2200" b="1" dirty="0" smtClean="0">
+                <a:solidFill>
+                  <a:schemeClr val="accent3">
+                    <a:lumMod val="75000"/>
+                  </a:schemeClr>
+                </a:solidFill>
               </a:rPr>
-              <a:t>Demonstracija</a:t>
-            </a:r>
-            <a:endParaRPr lang="hr-HR" sz="4000" b="1" dirty="0">
-              <a:solidFill>
-                <a:srgbClr val="0070C0"/>
-              </a:solidFill>
-              <a:latin typeface="+mj-lt"/>
-            </a:endParaRPr>
-          </a:p>
-        </p:txBody>
-      </p:sp>
-      <p:pic>
-        <p:nvPicPr>
-          <p:cNvPr id="8" name="Rezervirano mjesto sadržaja 7"/>
-          <p:cNvPicPr>
-            <a:picLocks noGrp="1" noChangeAspect="1"/>
-          </p:cNvPicPr>
-          <p:nvPr>
-            <p:ph sz="half" idx="2"/>
-          </p:nvPr>
-        </p:nvPicPr>
-        <p:blipFill>
-          <a:blip r:embed="rId3">
-            <a:extLst>
-              <a:ext uri="{28A0092B-C50C-407E-A947-70E740481C1C}">
-                <a14:useLocalDpi xmlns:a14="http://schemas.microsoft.com/office/drawing/2010/main" val="0"/>
-              </a:ext>
-            </a:extLst>
-          </a:blip>
-          <a:stretch>
-            <a:fillRect/>
-          </a:stretch>
-        </p:blipFill>
-        <p:spPr>
-          <a:xfrm>
-            <a:off x="6188075" y="2379321"/>
-            <a:ext cx="5422900" cy="3329670"/>
-          </a:xfrm>
-          <a:ln>
-            <a:solidFill>
-              <a:schemeClr val="bg1">
-                <a:lumMod val="75000"/>
-              </a:schemeClr>
-            </a:solidFill>
-          </a:ln>
-        </p:spPr>
-      </p:pic>
+              <a:t>iskustva</a:t>
+            </a:r>
+            <a:r>
+              <a:rPr lang="hr-HR" sz="2200" dirty="0" smtClean="0"/>
+              <a:t> za izradu dobrog proizvoda</a:t>
+            </a:r>
+          </a:p>
+          <a:p>
+            <a:pPr lvl="1"/>
+            <a:r>
+              <a:rPr lang="hr-HR" sz="2200" b="1" dirty="0" smtClean="0">
+                <a:solidFill>
+                  <a:schemeClr val="accent3">
+                    <a:lumMod val="75000"/>
+                  </a:schemeClr>
+                </a:solidFill>
+              </a:rPr>
+              <a:t>Strukturiranost</a:t>
+            </a:r>
+            <a:r>
+              <a:rPr lang="hr-HR" sz="2200" dirty="0" smtClean="0"/>
+              <a:t> i </a:t>
+            </a:r>
+            <a:r>
+              <a:rPr lang="hr-HR" sz="2200" b="1" dirty="0" smtClean="0">
+                <a:solidFill>
+                  <a:schemeClr val="accent3">
+                    <a:lumMod val="75000"/>
+                  </a:schemeClr>
+                </a:solidFill>
+              </a:rPr>
+              <a:t>konzistentnost</a:t>
+            </a:r>
+            <a:r>
+              <a:rPr lang="hr-HR" sz="2200" b="1" dirty="0" smtClean="0"/>
+              <a:t> </a:t>
+            </a:r>
+            <a:r>
+              <a:rPr lang="hr-HR" sz="2200" dirty="0" smtClean="0"/>
+              <a:t>bitno olakšavaju posao</a:t>
+            </a:r>
+            <a:endParaRPr lang="hr-HR" sz="2200" b="1" dirty="0" smtClean="0"/>
+          </a:p>
+          <a:p>
+            <a:pPr lvl="1"/>
+            <a:r>
+              <a:rPr lang="hr-HR" sz="2200" dirty="0" smtClean="0"/>
+              <a:t>Poštivanje dobrih</a:t>
+            </a:r>
+            <a:r>
+              <a:rPr lang="hr-HR" sz="2200" b="1" dirty="0" smtClean="0"/>
+              <a:t> </a:t>
+            </a:r>
+            <a:r>
+              <a:rPr lang="hr-HR" sz="2200" dirty="0" smtClean="0"/>
+              <a:t>praksi</a:t>
+            </a:r>
+            <a:r>
+              <a:rPr lang="hr-HR" sz="2200" b="1" dirty="0" smtClean="0"/>
+              <a:t> </a:t>
+            </a:r>
+            <a:r>
+              <a:rPr lang="hr-HR" sz="2200" dirty="0" smtClean="0"/>
+              <a:t>također</a:t>
+            </a:r>
+            <a:endParaRPr lang="hr-HR" sz="2200" b="1" dirty="0" smtClean="0"/>
+          </a:p>
+          <a:p>
+            <a:r>
+              <a:rPr lang="hr-HR" sz="2400" dirty="0" smtClean="0"/>
+              <a:t>Poželjno</a:t>
+            </a:r>
+            <a:r>
+              <a:rPr lang="hr-HR" sz="2400" b="1" dirty="0" smtClean="0"/>
+              <a:t>:</a:t>
+            </a:r>
+          </a:p>
+          <a:p>
+            <a:pPr lvl="1"/>
+            <a:r>
+              <a:rPr lang="hr-HR" sz="2400" b="1" dirty="0"/>
+              <a:t>Refactoring</a:t>
+            </a:r>
+            <a:r>
+              <a:rPr lang="hr-HR" sz="2200" b="1" dirty="0" smtClean="0"/>
+              <a:t> koda </a:t>
+            </a:r>
+            <a:r>
+              <a:rPr lang="hr-HR" sz="2200" dirty="0" smtClean="0"/>
+              <a:t>– djelomično proveden</a:t>
+            </a:r>
+          </a:p>
+          <a:p>
+            <a:r>
+              <a:rPr lang="hr-HR" sz="2400" dirty="0" smtClean="0"/>
+              <a:t>Napomene:</a:t>
+            </a:r>
+          </a:p>
+          <a:p>
+            <a:pPr lvl="1"/>
+            <a:r>
+              <a:rPr lang="hr-HR" sz="2200" dirty="0" smtClean="0"/>
+              <a:t>Git i Bitbucket – nisu najsretniji izbor za dokumentaciju</a:t>
+            </a:r>
+          </a:p>
+          <a:p>
+            <a:pPr lvl="1"/>
+            <a:r>
+              <a:rPr lang="hr-HR" sz="2200" dirty="0" smtClean="0"/>
+              <a:t>Bodovanje projekta</a:t>
+            </a:r>
+          </a:p>
+        </p:txBody>
+      </p:sp>
+      <p:sp>
+        <p:nvSpPr>
+          <p:cNvPr id="5" name="Rezervirano mjesto broja slajda 4"/>
+          <p:cNvSpPr>
+            <a:spLocks noGrp="1"/>
+          </p:cNvSpPr>
+          <p:nvPr>
+            <p:ph type="sldNum" sz="quarter" idx="12"/>
+          </p:nvPr>
+        </p:nvSpPr>
+        <p:spPr/>
+        <p:txBody>
+          <a:bodyPr/>
+          <a:lstStyle/>
+          <a:p>
+            <a:fld id="{D57F1E4F-1CFF-5643-939E-217C01CDF565}" type="slidenum">
+              <a:rPr lang="en-US" smtClean="0"/>
+              <a:pPr/>
+              <a:t>11</a:t>
+            </a:fld>
+            <a:endParaRPr lang="en-US" dirty="0"/>
+          </a:p>
+        </p:txBody>
+      </p:sp>
     </p:spTree>
     <p:extLst>
       <p:ext uri="{BB962C8B-B14F-4D97-AF65-F5344CB8AC3E}">
-        <p14:creationId xmlns:p14="http://schemas.microsoft.com/office/powerpoint/2010/main" val="3084603667"/>
+        <p14:creationId xmlns:p14="http://schemas.microsoft.com/office/powerpoint/2010/main" val="2954564307"/>
       </p:ext>
     </p:extLst>
   </p:cSld>
@@ -5838,76 +6605,133 @@
             <a:spLocks noGrp="1"/>
           </p:cNvSpPr>
           <p:nvPr>
-            <p:ph type="title" idx="4294967295"/>
-          </p:nvPr>
-        </p:nvSpPr>
+            <p:ph type="title"/>
+          </p:nvPr>
+        </p:nvSpPr>
+        <p:spPr/>
+        <p:txBody>
+          <a:bodyPr/>
+          <a:lstStyle/>
+          <a:p>
+            <a:r>
+              <a:rPr lang="hr-HR" dirty="0" smtClean="0"/>
+              <a:t>7. Demonstracija</a:t>
+            </a:r>
+            <a:endParaRPr lang="hr-HR" dirty="0"/>
+          </a:p>
+        </p:txBody>
+      </p:sp>
+      <p:sp>
+        <p:nvSpPr>
+          <p:cNvPr id="4" name="Rezervirano mjesto sadržaja 3"/>
+          <p:cNvSpPr>
+            <a:spLocks noGrp="1"/>
+          </p:cNvSpPr>
+          <p:nvPr>
+            <p:ph sz="half" idx="1"/>
+          </p:nvPr>
+        </p:nvSpPr>
+        <p:spPr/>
+        <p:txBody>
+          <a:bodyPr>
+            <a:normAutofit/>
+          </a:bodyPr>
+          <a:lstStyle/>
+          <a:p>
+            <a:pPr marL="0" indent="0" algn="ctr">
+              <a:buNone/>
+            </a:pPr>
+            <a:r>
+              <a:rPr lang="hr-HR" sz="4000" dirty="0">
+                <a:hlinkClick r:id="rId2"/>
+              </a:rPr>
+              <a:t>Demonstracija</a:t>
+            </a:r>
+            <a:endParaRPr lang="hr-HR" sz="4000" b="1" dirty="0">
+              <a:solidFill>
+                <a:srgbClr val="0070C0"/>
+              </a:solidFill>
+              <a:latin typeface="+mj-lt"/>
+            </a:endParaRPr>
+          </a:p>
+        </p:txBody>
+      </p:sp>
+      <p:pic>
+        <p:nvPicPr>
+          <p:cNvPr id="8" name="Rezervirano mjesto sadržaja 7"/>
+          <p:cNvPicPr>
+            <a:picLocks noGrp="1" noChangeAspect="1"/>
+          </p:cNvPicPr>
+          <p:nvPr>
+            <p:ph sz="half" idx="2"/>
+          </p:nvPr>
+        </p:nvPicPr>
+        <p:blipFill rotWithShape="1">
+          <a:blip r:embed="rId3">
+            <a:extLst>
+              <a:ext uri="{28A0092B-C50C-407E-A947-70E740481C1C}">
+                <a14:useLocalDpi xmlns:a14="http://schemas.microsoft.com/office/drawing/2010/main" val="0"/>
+              </a:ext>
+            </a:extLst>
+          </a:blip>
+          <a:srcRect l="-193" r="16118"/>
+          <a:stretch/>
+        </p:blipFill>
         <p:spPr>
           <a:xfrm>
-            <a:off x="0" y="730250"/>
-            <a:ext cx="11029950" cy="987425"/>
+            <a:off x="6150167" y="2684379"/>
+            <a:ext cx="5460642" cy="2720294"/>
           </a:xfrm>
+          <a:ln>
+            <a:solidFill>
+              <a:schemeClr val="bg1">
+                <a:lumMod val="75000"/>
+              </a:schemeClr>
+            </a:solidFill>
+          </a:ln>
         </p:spPr>
+      </p:pic>
+      <p:sp>
+        <p:nvSpPr>
+          <p:cNvPr id="5" name="Rezervirano mjesto broja slajda 4"/>
+          <p:cNvSpPr>
+            <a:spLocks noGrp="1"/>
+          </p:cNvSpPr>
+          <p:nvPr>
+            <p:ph type="sldNum" sz="quarter" idx="12"/>
+          </p:nvPr>
+        </p:nvSpPr>
+        <p:spPr/>
         <p:txBody>
           <a:bodyPr/>
           <a:lstStyle/>
           <a:p>
-            <a:r>
-              <a:rPr lang="hr-HR" dirty="0" smtClean="0"/>
-              <a:t>Pitanja?</a:t>
-            </a:r>
-            <a:endParaRPr lang="hr-HR" dirty="0"/>
-          </a:p>
-        </p:txBody>
-      </p:sp>
-      <p:sp>
-        <p:nvSpPr>
-          <p:cNvPr id="4" name="TekstniOkvir 3"/>
-          <p:cNvSpPr txBox="1"/>
-          <p:nvPr/>
-        </p:nvSpPr>
-        <p:spPr>
-          <a:xfrm>
-            <a:off x="0" y="2575775"/>
-            <a:ext cx="12192000" cy="1200329"/>
-          </a:xfrm>
-          <a:prstGeom prst="rect">
-            <a:avLst/>
-          </a:prstGeom>
-          <a:noFill/>
-        </p:spPr>
-        <p:txBody>
-          <a:bodyPr wrap="square" rtlCol="0">
-            <a:spAutoFit/>
-          </a:bodyPr>
-          <a:lstStyle/>
-          <a:p>
-            <a:pPr algn="ctr"/>
-            <a:r>
-              <a:rPr lang="hr-HR" sz="7200" dirty="0" smtClean="0">
-                <a:solidFill>
-                  <a:schemeClr val="accent1"/>
-                </a:solidFill>
-              </a:rPr>
-              <a:t>Pitanja?</a:t>
-            </a:r>
-            <a:endParaRPr lang="hr-HR" sz="7200" dirty="0">
-              <a:solidFill>
-                <a:schemeClr val="accent1"/>
-              </a:solidFill>
-            </a:endParaRPr>
+            <a:fld id="{D57F1E4F-1CFF-5643-939E-217C01CDF565}" type="slidenum">
+              <a:rPr lang="en-US" smtClean="0"/>
+              <a:pPr/>
+              <a:t>12</a:t>
+            </a:fld>
+            <a:endParaRPr lang="en-US" dirty="0"/>
           </a:p>
         </p:txBody>
       </p:sp>
     </p:spTree>
     <p:extLst>
       <p:ext uri="{BB962C8B-B14F-4D97-AF65-F5344CB8AC3E}">
-        <p14:creationId xmlns:p14="http://schemas.microsoft.com/office/powerpoint/2010/main" val="3887025050"/>
+        <p14:creationId xmlns:p14="http://schemas.microsoft.com/office/powerpoint/2010/main" val="3084603667"/>
       </p:ext>
     </p:extLst>
   </p:cSld>
   <p:clrMapOvr>
     <a:masterClrMapping/>
   </p:clrMapOvr>
+  <p:timing>
+    <p:tnLst>
+      <p:par>
+        <p:cTn id="1" dur="indefinite" restart="never" nodeType="tmRoot"/>
+      </p:par>
+    </p:tnLst>
+  </p:timing>
 </p:sld>
 </file>
 
@@ -5930,6 +6754,134 @@
       </p:grpSpPr>
       <p:sp>
         <p:nvSpPr>
+          <p:cNvPr id="2" name="Naslov 1"/>
+          <p:cNvSpPr>
+            <a:spLocks noGrp="1"/>
+          </p:cNvSpPr>
+          <p:nvPr>
+            <p:ph type="title" idx="4294967295"/>
+          </p:nvPr>
+        </p:nvSpPr>
+        <p:spPr>
+          <a:xfrm>
+            <a:off x="0" y="730250"/>
+            <a:ext cx="11029950" cy="987425"/>
+          </a:xfrm>
+        </p:spPr>
+        <p:txBody>
+          <a:bodyPr/>
+          <a:lstStyle/>
+          <a:p>
+            <a:r>
+              <a:rPr lang="hr-HR" dirty="0" smtClean="0"/>
+              <a:t>Pitanja?</a:t>
+            </a:r>
+            <a:endParaRPr lang="hr-HR" dirty="0"/>
+          </a:p>
+        </p:txBody>
+      </p:sp>
+      <p:sp>
+        <p:nvSpPr>
+          <p:cNvPr id="4" name="TekstniOkvir 3"/>
+          <p:cNvSpPr txBox="1"/>
+          <p:nvPr/>
+        </p:nvSpPr>
+        <p:spPr>
+          <a:xfrm>
+            <a:off x="0" y="2575775"/>
+            <a:ext cx="12192000" cy="1200329"/>
+          </a:xfrm>
+          <a:prstGeom prst="rect">
+            <a:avLst/>
+          </a:prstGeom>
+          <a:noFill/>
+        </p:spPr>
+        <p:txBody>
+          <a:bodyPr wrap="square" rtlCol="0">
+            <a:spAutoFit/>
+          </a:bodyPr>
+          <a:lstStyle/>
+          <a:p>
+            <a:pPr algn="ctr"/>
+            <a:r>
+              <a:rPr lang="hr-HR" sz="7200" dirty="0" smtClean="0">
+                <a:solidFill>
+                  <a:schemeClr val="accent1"/>
+                </a:solidFill>
+              </a:rPr>
+              <a:t>Pitanja?</a:t>
+            </a:r>
+            <a:endParaRPr lang="hr-HR" sz="7200" dirty="0">
+              <a:solidFill>
+                <a:schemeClr val="accent1"/>
+              </a:solidFill>
+            </a:endParaRPr>
+          </a:p>
+        </p:txBody>
+      </p:sp>
+      <p:sp>
+        <p:nvSpPr>
+          <p:cNvPr id="5" name="Rezervirano mjesto broja slajda 4"/>
+          <p:cNvSpPr>
+            <a:spLocks noGrp="1"/>
+          </p:cNvSpPr>
+          <p:nvPr>
+            <p:ph type="sldNum" sz="quarter" idx="12"/>
+          </p:nvPr>
+        </p:nvSpPr>
+        <p:spPr/>
+        <p:txBody>
+          <a:bodyPr/>
+          <a:lstStyle/>
+          <a:p>
+            <a:fld id="{D57F1E4F-1CFF-5643-939E-217C01CDF565}" type="slidenum">
+              <a:rPr lang="en-US" smtClean="0"/>
+              <a:pPr/>
+              <a:t>13</a:t>
+            </a:fld>
+            <a:endParaRPr lang="en-US" dirty="0"/>
+          </a:p>
+        </p:txBody>
+      </p:sp>
+    </p:spTree>
+    <p:extLst>
+      <p:ext uri="{BB962C8B-B14F-4D97-AF65-F5344CB8AC3E}">
+        <p14:creationId xmlns:p14="http://schemas.microsoft.com/office/powerpoint/2010/main" val="3887025050"/>
+      </p:ext>
+    </p:extLst>
+  </p:cSld>
+  <p:clrMapOvr>
+    <a:masterClrMapping/>
+  </p:clrMapOvr>
+  <p:timing>
+    <p:tnLst>
+      <p:par>
+        <p:cTn id="1" dur="indefinite" restart="never" nodeType="tmRoot"/>
+      </p:par>
+    </p:tnLst>
+  </p:timing>
+</p:sld>
+</file>
+
+<file path=ppt/slides/slide14.xml><?xml version="1.0" encoding="utf-8"?>
+<p:sld xmlns:a="http://schemas.openxmlformats.org/drawingml/2006/main" xmlns:r="http://schemas.openxmlformats.org/officeDocument/2006/relationships" xmlns:p="http://schemas.openxmlformats.org/presentationml/2006/main">
+  <p:cSld>
+    <p:spTree>
+      <p:nvGrpSpPr>
+        <p:cNvPr id="1" name=""/>
+        <p:cNvGrpSpPr/>
+        <p:nvPr/>
+      </p:nvGrpSpPr>
+      <p:grpSpPr>
+        <a:xfrm>
+          <a:off x="0" y="0"/>
+          <a:ext cx="0" cy="0"/>
+          <a:chOff x="0" y="0"/>
+          <a:chExt cx="0" cy="0"/>
+        </a:xfrm>
+      </p:grpSpPr>
+      <p:sp>
+        <p:nvSpPr>
           <p:cNvPr id="3" name="TekstniOkvir 2"/>
           <p:cNvSpPr txBox="1"/>
           <p:nvPr/>
@@ -5970,11 +6922,7 @@
             </a:pPr>
             <a:r>
               <a:rPr lang="hr-HR" sz="2200" b="1" dirty="0" smtClean="0"/>
-              <a:t>Zvonimir </a:t>
-            </a:r>
-            <a:r>
-              <a:rPr lang="hr-HR" sz="2200" b="1" dirty="0" err="1" smtClean="0"/>
-              <a:t>Jurelinac</a:t>
+              <a:t>Zvonimir Jurelinac</a:t>
             </a:r>
             <a:r>
               <a:rPr lang="hr-HR" sz="2200" dirty="0" smtClean="0"/>
@@ -6046,11 +6994,7 @@
             </a:pPr>
             <a:r>
               <a:rPr lang="hr-HR" sz="2200" b="1" dirty="0" smtClean="0"/>
-              <a:t>Matej </a:t>
-            </a:r>
-            <a:r>
-              <a:rPr lang="hr-HR" sz="2200" b="1" dirty="0" err="1" smtClean="0"/>
-              <a:t>Peroš</a:t>
+              <a:t>Matej Peroš</a:t>
             </a:r>
             <a:r>
               <a:rPr lang="hr-HR" sz="2200" dirty="0" smtClean="0"/>
@@ -6072,11 +7016,7 @@
             </a:pPr>
             <a:r>
               <a:rPr lang="hr-HR" sz="2200" b="1" dirty="0" smtClean="0"/>
-              <a:t>Martin </a:t>
-            </a:r>
-            <a:r>
-              <a:rPr lang="hr-HR" sz="2200" b="1" dirty="0" err="1" smtClean="0"/>
-              <a:t>Mašić</a:t>
+              <a:t>Martin Mašić</a:t>
             </a:r>
             <a:r>
               <a:rPr lang="hr-HR" sz="2200" dirty="0" smtClean="0"/>
@@ -6100,12 +7040,8 @@
               </a:lnSpc>
             </a:pPr>
             <a:r>
-              <a:rPr lang="hr-HR" sz="2200" b="1" dirty="0" err="1" smtClean="0"/>
-              <a:t>Tonko</a:t>
-            </a:r>
-            <a:r>
               <a:rPr lang="hr-HR" sz="2200" b="1" dirty="0" smtClean="0"/>
-              <a:t> Čupić</a:t>
+              <a:t>Tonko Čupić</a:t>
             </a:r>
             <a:r>
               <a:rPr lang="hr-HR" sz="2200" dirty="0" smtClean="0"/>
@@ -6130,11 +7066,7 @@
             </a:pPr>
             <a:r>
               <a:rPr lang="hr-HR" sz="2200" b="1" dirty="0" smtClean="0"/>
-              <a:t>Tena </a:t>
-            </a:r>
-            <a:r>
-              <a:rPr lang="hr-HR" sz="2200" b="1" dirty="0" err="1" smtClean="0"/>
-              <a:t>Škalec</a:t>
+              <a:t>Tena Škalec</a:t>
             </a:r>
             <a:r>
               <a:rPr lang="hr-HR" sz="2200" dirty="0" smtClean="0"/>
@@ -6151,6 +7083,30 @@
               <a:t> </a:t>
             </a:r>
             <a:endParaRPr lang="hr-HR" sz="2200" dirty="0"/>
+          </a:p>
+        </p:txBody>
+      </p:sp>
+      <p:sp>
+        <p:nvSpPr>
+          <p:cNvPr id="4" name="Rezervirano mjesto broja slajda 3"/>
+          <p:cNvSpPr>
+            <a:spLocks noGrp="1"/>
+          </p:cNvSpPr>
+          <p:nvPr>
+            <p:ph type="sldNum" sz="quarter" idx="12"/>
+          </p:nvPr>
+        </p:nvSpPr>
+        <p:spPr/>
+        <p:txBody>
+          <a:bodyPr/>
+          <a:lstStyle/>
+          <a:p>
+            <a:fld id="{D57F1E4F-1CFF-5643-939E-217C01CDF565}" type="slidenum">
+              <a:rPr lang="en-US" smtClean="0"/>
+              <a:pPr/>
+              <a:t>14</a:t>
+            </a:fld>
+            <a:endParaRPr lang="en-US" dirty="0"/>
           </a:p>
         </p:txBody>
       </p:sp>
@@ -6164,6 +7120,13 @@
   <p:clrMapOvr>
     <a:masterClrMapping/>
   </p:clrMapOvr>
+  <p:timing>
+    <p:tnLst>
+      <p:par>
+        <p:cTn id="1" dur="indefinite" restart="never" nodeType="tmRoot"/>
+      </p:par>
+    </p:tnLst>
+  </p:timing>
 </p:sld>
 </file>
 
@@ -6296,6 +7259,30 @@
           </a:p>
         </p:txBody>
       </p:sp>
+      <p:sp>
+        <p:nvSpPr>
+          <p:cNvPr id="5" name="Rezervirano mjesto broja slajda 4"/>
+          <p:cNvSpPr>
+            <a:spLocks noGrp="1"/>
+          </p:cNvSpPr>
+          <p:nvPr>
+            <p:ph type="sldNum" sz="quarter" idx="12"/>
+          </p:nvPr>
+        </p:nvSpPr>
+        <p:spPr/>
+        <p:txBody>
+          <a:bodyPr/>
+          <a:lstStyle/>
+          <a:p>
+            <a:fld id="{D57F1E4F-1CFF-5643-939E-217C01CDF565}" type="slidenum">
+              <a:rPr lang="en-US" smtClean="0"/>
+              <a:pPr/>
+              <a:t>2</a:t>
+            </a:fld>
+            <a:endParaRPr lang="en-US" dirty="0"/>
+          </a:p>
+        </p:txBody>
+      </p:sp>
     </p:spTree>
     <p:extLst>
       <p:ext uri="{BB962C8B-B14F-4D97-AF65-F5344CB8AC3E}">
@@ -6306,6 +7293,13 @@
   <p:clrMapOvr>
     <a:masterClrMapping/>
   </p:clrMapOvr>
+  <p:timing>
+    <p:tnLst>
+      <p:par>
+        <p:cTn id="1" dur="indefinite" restart="never" nodeType="tmRoot"/>
+      </p:par>
+    </p:tnLst>
+  </p:timing>
 </p:sld>
 </file>
 
@@ -6464,6 +7458,30 @@
               <a:t> statistika</a:t>
             </a:r>
             <a:endParaRPr lang="hr-HR" sz="2200" dirty="0"/>
+          </a:p>
+        </p:txBody>
+      </p:sp>
+      <p:sp>
+        <p:nvSpPr>
+          <p:cNvPr id="5" name="Rezervirano mjesto broja slajda 4"/>
+          <p:cNvSpPr>
+            <a:spLocks noGrp="1"/>
+          </p:cNvSpPr>
+          <p:nvPr>
+            <p:ph type="sldNum" sz="quarter" idx="12"/>
+          </p:nvPr>
+        </p:nvSpPr>
+        <p:spPr/>
+        <p:txBody>
+          <a:bodyPr/>
+          <a:lstStyle/>
+          <a:p>
+            <a:fld id="{D57F1E4F-1CFF-5643-939E-217C01CDF565}" type="slidenum">
+              <a:rPr lang="en-US" smtClean="0"/>
+              <a:pPr/>
+              <a:t>3</a:t>
+            </a:fld>
+            <a:endParaRPr lang="en-US" dirty="0"/>
           </a:p>
         </p:txBody>
       </p:sp>
@@ -6657,6 +7675,30 @@
           </a:p>
         </p:txBody>
       </p:sp>
+      <p:sp>
+        <p:nvSpPr>
+          <p:cNvPr id="5" name="Rezervirano mjesto broja slajda 4"/>
+          <p:cNvSpPr>
+            <a:spLocks noGrp="1"/>
+          </p:cNvSpPr>
+          <p:nvPr>
+            <p:ph type="sldNum" sz="quarter" idx="12"/>
+          </p:nvPr>
+        </p:nvSpPr>
+        <p:spPr/>
+        <p:txBody>
+          <a:bodyPr/>
+          <a:lstStyle/>
+          <a:p>
+            <a:fld id="{D57F1E4F-1CFF-5643-939E-217C01CDF565}" type="slidenum">
+              <a:rPr lang="en-US" smtClean="0"/>
+              <a:pPr/>
+              <a:t>4</a:t>
+            </a:fld>
+            <a:endParaRPr lang="en-US" dirty="0"/>
+          </a:p>
+        </p:txBody>
+      </p:sp>
     </p:spTree>
     <p:extLst>
       <p:ext uri="{BB962C8B-B14F-4D97-AF65-F5344CB8AC3E}">
@@ -6821,6 +7863,30 @@
           </a:p>
         </p:txBody>
       </p:sp>
+      <p:sp>
+        <p:nvSpPr>
+          <p:cNvPr id="5" name="Rezervirano mjesto broja slajda 4"/>
+          <p:cNvSpPr>
+            <a:spLocks noGrp="1"/>
+          </p:cNvSpPr>
+          <p:nvPr>
+            <p:ph type="sldNum" sz="quarter" idx="12"/>
+          </p:nvPr>
+        </p:nvSpPr>
+        <p:spPr/>
+        <p:txBody>
+          <a:bodyPr/>
+          <a:lstStyle/>
+          <a:p>
+            <a:fld id="{D57F1E4F-1CFF-5643-939E-217C01CDF565}" type="slidenum">
+              <a:rPr lang="en-US" smtClean="0"/>
+              <a:pPr/>
+              <a:t>5</a:t>
+            </a:fld>
+            <a:endParaRPr lang="en-US" dirty="0"/>
+          </a:p>
+        </p:txBody>
+      </p:sp>
     </p:spTree>
     <p:extLst>
       <p:ext uri="{BB962C8B-B14F-4D97-AF65-F5344CB8AC3E}">
@@ -6875,11 +7941,7 @@
           <a:p>
             <a:r>
               <a:rPr lang="hr-HR" dirty="0" smtClean="0"/>
-              <a:t>3.1 Korišteni alati i tehnologije – </a:t>
-            </a:r>
-            <a:r>
-              <a:rPr lang="hr-HR" dirty="0" err="1" smtClean="0"/>
-              <a:t>backend</a:t>
+              <a:t>3.1 Korišteni alati i tehnologije – backend</a:t>
             </a:r>
             <a:endParaRPr lang="hr-HR" dirty="0"/>
           </a:p>
@@ -6914,7 +7976,7 @@
             </a:r>
             <a:r>
               <a:rPr lang="hr-HR" sz="2400" b="1" dirty="0" smtClean="0"/>
-              <a:t> </a:t>
+              <a:t> 	</a:t>
             </a:r>
             <a:r>
               <a:rPr lang="hr-HR" sz="2400" dirty="0" smtClean="0"/>
@@ -6935,23 +7997,11 @@
             </a:r>
             <a:r>
               <a:rPr lang="hr-HR" sz="2400" b="1" dirty="0" smtClean="0"/>
-              <a:t> </a:t>
+              <a:t> 		</a:t>
             </a:r>
             <a:r>
               <a:rPr lang="hr-HR" sz="2400" dirty="0" smtClean="0"/>
-              <a:t>– </a:t>
-            </a:r>
-            <a:r>
-              <a:rPr lang="hr-HR" sz="2400" dirty="0" err="1" smtClean="0"/>
-              <a:t>Python</a:t>
-            </a:r>
-            <a:r>
-              <a:rPr lang="hr-HR" sz="2400" dirty="0" smtClean="0"/>
-              <a:t> web </a:t>
-            </a:r>
-            <a:r>
-              <a:rPr lang="hr-HR" sz="2400" dirty="0" err="1" smtClean="0"/>
-              <a:t>framework</a:t>
+              <a:t>– Python web framework</a:t>
             </a:r>
             <a:endParaRPr lang="hr-HR" sz="2400" b="1" dirty="0" smtClean="0"/>
           </a:p>
@@ -6968,19 +8018,11 @@
             </a:r>
             <a:r>
               <a:rPr lang="hr-HR" sz="2400" b="1" dirty="0" smtClean="0"/>
-              <a:t> </a:t>
+              <a:t> 	</a:t>
             </a:r>
             <a:r>
               <a:rPr lang="hr-HR" sz="2400" dirty="0" smtClean="0"/>
-              <a:t>– </a:t>
-            </a:r>
-            <a:r>
-              <a:rPr lang="hr-HR" sz="2400" dirty="0" err="1" smtClean="0"/>
-              <a:t>Python</a:t>
-            </a:r>
-            <a:r>
-              <a:rPr lang="hr-HR" sz="2400" dirty="0" smtClean="0"/>
-              <a:t> ORM</a:t>
+              <a:t>– Python ORM</a:t>
             </a:r>
             <a:endParaRPr lang="hr-HR" sz="2400" b="1" dirty="0" smtClean="0"/>
           </a:p>
@@ -6997,7 +8039,7 @@
             </a:r>
             <a:r>
               <a:rPr lang="hr-HR" sz="2400" b="1" dirty="0" smtClean="0"/>
-              <a:t> </a:t>
+              <a:t> 	</a:t>
             </a:r>
             <a:r>
               <a:rPr lang="hr-HR" sz="2400" dirty="0" smtClean="0"/>
@@ -7096,6 +8138,30 @@
           </a:prstGeom>
         </p:spPr>
       </p:pic>
+      <p:sp>
+        <p:nvSpPr>
+          <p:cNvPr id="8" name="Rezervirano mjesto broja slajda 7"/>
+          <p:cNvSpPr>
+            <a:spLocks noGrp="1"/>
+          </p:cNvSpPr>
+          <p:nvPr>
+            <p:ph type="sldNum" sz="quarter" idx="12"/>
+          </p:nvPr>
+        </p:nvSpPr>
+        <p:spPr/>
+        <p:txBody>
+          <a:bodyPr/>
+          <a:lstStyle/>
+          <a:p>
+            <a:fld id="{D57F1E4F-1CFF-5643-939E-217C01CDF565}" type="slidenum">
+              <a:rPr lang="en-US" smtClean="0"/>
+              <a:pPr/>
+              <a:t>6</a:t>
+            </a:fld>
+            <a:endParaRPr lang="en-US" dirty="0"/>
+          </a:p>
+        </p:txBody>
+      </p:sp>
     </p:spTree>
     <p:extLst>
       <p:ext uri="{BB962C8B-B14F-4D97-AF65-F5344CB8AC3E}">
@@ -7150,11 +8216,7 @@
           <a:p>
             <a:r>
               <a:rPr lang="hr-HR" dirty="0" smtClean="0"/>
-              <a:t>3.2 Korišteni alati i tehnologije – </a:t>
-            </a:r>
-            <a:r>
-              <a:rPr lang="hr-HR" dirty="0" err="1" smtClean="0"/>
-              <a:t>frontend</a:t>
+              <a:t>3.2 Korišteni alati i tehnologije – frontend</a:t>
             </a:r>
             <a:endParaRPr lang="hr-HR" dirty="0"/>
           </a:p>
@@ -7189,25 +8251,12 @@
             </a:r>
             <a:r>
               <a:rPr lang="hr-HR" sz="2400" dirty="0" smtClean="0"/>
-              <a:t> </a:t>
+              <a:t> 		– </a:t>
             </a:r>
             <a:r>
               <a:rPr lang="hr-HR" sz="2400" dirty="0"/>
-              <a:t>– </a:t>
-            </a:r>
-            <a:r>
-              <a:rPr lang="hr-HR" sz="2400" dirty="0" err="1"/>
-              <a:t>frontend</a:t>
-            </a:r>
-            <a:r>
-              <a:rPr lang="hr-HR" sz="2400" dirty="0"/>
-              <a:t> </a:t>
-            </a:r>
-            <a:r>
-              <a:rPr lang="hr-HR" sz="2400" dirty="0" err="1"/>
-              <a:t>framework</a:t>
-            </a:r>
-            <a:endParaRPr lang="hr-HR" sz="2400" dirty="0"/>
+              <a:t>frontend framework</a:t>
+            </a:r>
           </a:p>
           <a:p>
             <a:r>
@@ -7222,7 +8271,7 @@
             </a:r>
             <a:r>
               <a:rPr lang="hr-HR" sz="2400" dirty="0" smtClean="0"/>
-              <a:t> – programski jezik</a:t>
+              <a:t> 	– programski jezik</a:t>
             </a:r>
           </a:p>
           <a:p>
@@ -7238,7 +8287,7 @@
             </a:r>
             <a:r>
               <a:rPr lang="hr-HR" sz="2400" dirty="0" smtClean="0"/>
-              <a:t> – dizajn stranice</a:t>
+              <a:t> 			– dizajn stranice</a:t>
             </a:r>
           </a:p>
           <a:p>
@@ -7254,7 +8303,7 @@
             </a:r>
             <a:r>
               <a:rPr lang="hr-HR" sz="2400" dirty="0" smtClean="0"/>
-              <a:t> – umjesto HTML-a</a:t>
+              <a:t> 			– umjesto HTML-a</a:t>
             </a:r>
           </a:p>
           <a:p>
@@ -7270,7 +8319,7 @@
             </a:r>
             <a:r>
               <a:rPr lang="hr-HR" sz="2400" dirty="0" smtClean="0"/>
-              <a:t> – prevođenje i automatizacija</a:t>
+              <a:t> 			– prevođenje i automatizacija</a:t>
             </a:r>
           </a:p>
           <a:p>
@@ -7286,7 +8335,7 @@
             </a:r>
             <a:r>
               <a:rPr lang="hr-HR" sz="2400" dirty="0" smtClean="0"/>
-              <a:t> – upravljanje dodacima</a:t>
+              <a:t> 			– upravljanje dodacima</a:t>
             </a:r>
           </a:p>
         </p:txBody>
@@ -7300,7 +8349,7 @@
           <p:nvPr/>
         </p:nvPicPr>
         <p:blipFill>
-          <a:blip r:embed="rId2">
+          <a:blip r:embed="rId3">
             <a:extLst>
               <a:ext uri="{28A0092B-C50C-407E-A947-70E740481C1C}">
                 <a14:useLocalDpi xmlns:a14="http://schemas.microsoft.com/office/drawing/2010/main" val="0"/>
@@ -7330,7 +8379,7 @@
           <p:nvPr/>
         </p:nvPicPr>
         <p:blipFill>
-          <a:blip r:embed="rId3">
+          <a:blip r:embed="rId4">
             <a:extLst>
               <a:ext uri="{28A0092B-C50C-407E-A947-70E740481C1C}">
                 <a14:useLocalDpi xmlns:a14="http://schemas.microsoft.com/office/drawing/2010/main" val="0"/>
@@ -7360,7 +8409,7 @@
           <p:nvPr/>
         </p:nvPicPr>
         <p:blipFill>
-          <a:blip r:embed="rId4">
+          <a:blip r:embed="rId5">
             <a:extLst>
               <a:ext uri="{28A0092B-C50C-407E-A947-70E740481C1C}">
                 <a14:useLocalDpi xmlns:a14="http://schemas.microsoft.com/office/drawing/2010/main" val="0"/>
@@ -7373,7 +8422,7 @@
         </p:blipFill>
         <p:spPr>
           <a:xfrm>
-            <a:off x="9916824" y="4190757"/>
+            <a:off x="9927641" y="3961000"/>
             <a:ext cx="1693983" cy="1995137"/>
           </a:xfrm>
           <a:prstGeom prst="rect">
@@ -7390,7 +8439,7 @@
           <p:nvPr/>
         </p:nvPicPr>
         <p:blipFill>
-          <a:blip r:embed="rId5">
+          <a:blip r:embed="rId6">
             <a:extLst>
               <a:ext uri="{28A0092B-C50C-407E-A947-70E740481C1C}">
                 <a14:useLocalDpi xmlns:a14="http://schemas.microsoft.com/office/drawing/2010/main" val="0"/>
@@ -7403,7 +8452,7 @@
         </p:blipFill>
         <p:spPr>
           <a:xfrm>
-            <a:off x="7087287" y="4465645"/>
+            <a:off x="7087287" y="4235888"/>
             <a:ext cx="2295457" cy="1720249"/>
           </a:xfrm>
           <a:prstGeom prst="rect">
@@ -7411,6 +8460,30 @@
           </a:prstGeom>
         </p:spPr>
       </p:pic>
+      <p:sp>
+        <p:nvSpPr>
+          <p:cNvPr id="9" name="Rezervirano mjesto broja slajda 8"/>
+          <p:cNvSpPr>
+            <a:spLocks noGrp="1"/>
+          </p:cNvSpPr>
+          <p:nvPr>
+            <p:ph type="sldNum" sz="quarter" idx="12"/>
+          </p:nvPr>
+        </p:nvSpPr>
+        <p:spPr/>
+        <p:txBody>
+          <a:bodyPr/>
+          <a:lstStyle/>
+          <a:p>
+            <a:fld id="{D57F1E4F-1CFF-5643-939E-217C01CDF565}" type="slidenum">
+              <a:rPr lang="en-US" smtClean="0"/>
+              <a:pPr/>
+              <a:t>7</a:t>
+            </a:fld>
+            <a:endParaRPr lang="en-US" dirty="0"/>
+          </a:p>
+        </p:txBody>
+      </p:sp>
     </p:spTree>
     <p:extLst>
       <p:ext uri="{BB962C8B-B14F-4D97-AF65-F5344CB8AC3E}">
@@ -7505,11 +8578,35 @@
         </p:blipFill>
         <p:spPr>
           <a:xfrm>
-            <a:off x="447675" y="602622"/>
-            <a:ext cx="11293475" cy="4201781"/>
+            <a:off x="1152848" y="2181225"/>
+            <a:ext cx="9886304" cy="3678238"/>
           </a:xfrm>
         </p:spPr>
       </p:pic>
+      <p:sp>
+        <p:nvSpPr>
+          <p:cNvPr id="4" name="Rezervirano mjesto broja slajda 3"/>
+          <p:cNvSpPr>
+            <a:spLocks noGrp="1"/>
+          </p:cNvSpPr>
+          <p:nvPr>
+            <p:ph type="sldNum" sz="quarter" idx="12"/>
+          </p:nvPr>
+        </p:nvSpPr>
+        <p:spPr/>
+        <p:txBody>
+          <a:bodyPr/>
+          <a:lstStyle/>
+          <a:p>
+            <a:fld id="{D57F1E4F-1CFF-5643-939E-217C01CDF565}" type="slidenum">
+              <a:rPr lang="en-US" smtClean="0"/>
+              <a:pPr/>
+              <a:t>8</a:t>
+            </a:fld>
+            <a:endParaRPr lang="en-US" dirty="0"/>
+          </a:p>
+        </p:txBody>
+      </p:sp>
     </p:spTree>
     <p:extLst>
       <p:ext uri="{BB962C8B-B14F-4D97-AF65-F5344CB8AC3E}">
@@ -7570,7 +8667,7 @@
                   <a:schemeClr val="bg1"/>
                 </a:solidFill>
               </a:rPr>
-              <a:t>5. Organizacija rada</a:t>
+              <a:t>5. 1 Vremenska Organizacija rada</a:t>
             </a:r>
             <a:endParaRPr lang="hr-HR" sz="2800" dirty="0">
               <a:solidFill>
@@ -7590,14 +8687,14 @@
             <p:ph idx="1"/>
             <p:extLst>
               <p:ext uri="{D42A27DB-BD31-4B8C-83A1-F6EECF244321}">
-                <p14:modId xmlns:p14="http://schemas.microsoft.com/office/powerpoint/2010/main" val="943133098"/>
+                <p14:modId xmlns:p14="http://schemas.microsoft.com/office/powerpoint/2010/main" val="3850876302"/>
               </p:ext>
             </p:extLst>
           </p:nvPr>
         </p:nvGraphicFramePr>
         <p:xfrm>
-          <a:off x="447675" y="601663"/>
-          <a:ext cx="11293475" cy="4203700"/>
+          <a:off x="581025" y="2181225"/>
+          <a:ext cx="11029950" cy="3678238"/>
         </p:xfrm>
         <a:graphic>
           <a:graphicData uri="http://schemas.openxmlformats.org/drawingml/2006/chart">
@@ -7605,6 +8702,66 @@
           </a:graphicData>
         </a:graphic>
       </p:graphicFrame>
+      <p:sp>
+        <p:nvSpPr>
+          <p:cNvPr id="3" name="TekstniOkvir 2"/>
+          <p:cNvSpPr txBox="1"/>
+          <p:nvPr/>
+        </p:nvSpPr>
+        <p:spPr>
+          <a:xfrm>
+            <a:off x="581025" y="6049913"/>
+            <a:ext cx="11029616" cy="338554"/>
+          </a:xfrm>
+          <a:prstGeom prst="rect">
+            <a:avLst/>
+          </a:prstGeom>
+          <a:noFill/>
+        </p:spPr>
+        <p:txBody>
+          <a:bodyPr wrap="square" rtlCol="0">
+            <a:spAutoFit/>
+          </a:bodyPr>
+          <a:lstStyle/>
+          <a:p>
+            <a:pPr algn="ctr"/>
+            <a:r>
+              <a:rPr lang="hr-HR" sz="1600" dirty="0" smtClean="0">
+                <a:solidFill>
+                  <a:schemeClr val="bg1">
+                    <a:lumMod val="65000"/>
+                  </a:schemeClr>
+                </a:solidFill>
+              </a:rPr>
+              <a:t>Tamnije boje označavaju veći intenzitet rada, a svijetlije manji</a:t>
+            </a:r>
+          </a:p>
+        </p:txBody>
+      </p:sp>
+      <p:sp>
+        <p:nvSpPr>
+          <p:cNvPr id="5" name="Rezervirano mjesto broja slajda 4"/>
+          <p:cNvSpPr>
+            <a:spLocks noGrp="1"/>
+          </p:cNvSpPr>
+          <p:nvPr>
+            <p:ph type="sldNum" sz="quarter" idx="12"/>
+          </p:nvPr>
+        </p:nvSpPr>
+        <p:spPr/>
+        <p:txBody>
+          <a:bodyPr/>
+          <a:lstStyle/>
+          <a:p>
+            <a:fld id="{D57F1E4F-1CFF-5643-939E-217C01CDF565}" type="slidenum">
+              <a:rPr lang="en-US" smtClean="0"/>
+              <a:pPr/>
+              <a:t>9</a:t>
+            </a:fld>
+            <a:endParaRPr lang="en-US" dirty="0"/>
+          </a:p>
+        </p:txBody>
+      </p:sp>
     </p:spTree>
     <p:extLst>
       <p:ext uri="{BB962C8B-B14F-4D97-AF65-F5344CB8AC3E}">
@@ -7892,4 +9049,265 @@
     </a:ext>
   </a:extLst>
 </a:theme>
+</file>
+
+<file path=ppt/theme/theme2.xml><?xml version="1.0" encoding="utf-8"?>
+<a:theme xmlns:a="http://schemas.openxmlformats.org/drawingml/2006/main" name="Tema sustava Office">
+  <a:themeElements>
+    <a:clrScheme name="Office">
+      <a:dk1>
+        <a:sysClr val="windowText" lastClr="000000"/>
+      </a:dk1>
+      <a:lt1>
+        <a:sysClr val="window" lastClr="FFFFFF"/>
+      </a:lt1>
+      <a:dk2>
+        <a:srgbClr val="44546A"/>
+      </a:dk2>
+      <a:lt2>
+        <a:srgbClr val="E7E6E6"/>
+      </a:lt2>
+      <a:accent1>
+        <a:srgbClr val="5B9BD5"/>
+      </a:accent1>
+      <a:accent2>
+        <a:srgbClr val="ED7D31"/>
+      </a:accent2>
+      <a:accent3>
+        <a:srgbClr val="A5A5A5"/>
+      </a:accent3>
+      <a:accent4>
+        <a:srgbClr val="FFC000"/>
+      </a:accent4>
+      <a:accent5>
+        <a:srgbClr val="4472C4"/>
+      </a:accent5>
+      <a:accent6>
+        <a:srgbClr val="70AD47"/>
+      </a:accent6>
+      <a:hlink>
+        <a:srgbClr val="0563C1"/>
+      </a:hlink>
+      <a:folHlink>
+        <a:srgbClr val="954F72"/>
+      </a:folHlink>
+    </a:clrScheme>
+    <a:fontScheme name="Office">
+      <a:majorFont>
+        <a:latin typeface="Calibri Light" panose="020F0302020204030204"/>
+        <a:ea typeface=""/>
+        <a:cs typeface=""/>
+        <a:font script="Jpan" typeface="ＭＳ Ｐゴシック"/>
+        <a:font script="Hang" typeface="맑은 고딕"/>
+        <a:font script="Hans" typeface="宋体"/>
+        <a:font script="Hant" typeface="新細明體"/>
+        <a:font script="Arab" typeface="Times New Roman"/>
+        <a:font script="Hebr" typeface="Times New Roman"/>
+        <a:font script="Thai" typeface="Angsana New"/>
+        <a:font script="Ethi" typeface="Nyala"/>
+        <a:font script="Beng" typeface="Vrinda"/>
+        <a:font script="Gujr" typeface="Shruti"/>
+        <a:font script="Khmr" typeface="MoolBoran"/>
+        <a:font script="Knda" typeface="Tunga"/>
+        <a:font script="Guru" typeface="Raavi"/>
+        <a:font script="Cans" typeface="Euphemia"/>
+        <a:font script="Cher" typeface="Plantagenet Cherokee"/>
+        <a:font script="Yiii" typeface="Microsoft Yi Baiti"/>
+        <a:font script="Tibt" typeface="Microsoft Himalaya"/>
+        <a:font script="Thaa" typeface="MV Boli"/>
+        <a:font script="Deva" typeface="Mangal"/>
+        <a:font script="Telu" typeface="Gautami"/>
+        <a:font script="Taml" typeface="Latha"/>
+        <a:font script="Syrc" typeface="Estrangelo Edessa"/>
+        <a:font script="Orya" typeface="Kalinga"/>
+        <a:font script="Mlym" typeface="Kartika"/>
+        <a:font script="Laoo" typeface="DokChampa"/>
+        <a:font script="Sinh" typeface="Iskoola Pota"/>
+        <a:font script="Mong" typeface="Mongolian Baiti"/>
+        <a:font script="Viet" typeface="Times New Roman"/>
+        <a:font script="Uigh" typeface="Microsoft Uighur"/>
+        <a:font script="Geor" typeface="Sylfaen"/>
+      </a:majorFont>
+      <a:minorFont>
+        <a:latin typeface="Calibri" panose="020F0502020204030204"/>
+        <a:ea typeface=""/>
+        <a:cs typeface=""/>
+        <a:font script="Jpan" typeface="ＭＳ Ｐゴシック"/>
+        <a:font script="Hang" typeface="맑은 고딕"/>
+        <a:font script="Hans" typeface="宋体"/>
+        <a:font script="Hant" typeface="新細明體"/>
+        <a:font script="Arab" typeface="Arial"/>
+        <a:font script="Hebr" typeface="Arial"/>
+        <a:font script="Thai" typeface="Cordia New"/>
+        <a:font script="Ethi" typeface="Nyala"/>
+        <a:font script="Beng" typeface="Vrinda"/>
+        <a:font script="Gujr" typeface="Shruti"/>
+        <a:font script="Khmr" typeface="DaunPenh"/>
+        <a:font script="Knda" typeface="Tunga"/>
+        <a:font script="Guru" typeface="Raavi"/>
+        <a:font script="Cans" typeface="Euphemia"/>
+        <a:font script="Cher" typeface="Plantagenet Cherokee"/>
+        <a:font script="Yiii" typeface="Microsoft Yi Baiti"/>
+        <a:font script="Tibt" typeface="Microsoft Himalaya"/>
+        <a:font script="Thaa" typeface="MV Boli"/>
+        <a:font script="Deva" typeface="Mangal"/>
+        <a:font script="Telu" typeface="Gautami"/>
+        <a:font script="Taml" typeface="Latha"/>
+        <a:font script="Syrc" typeface="Estrangelo Edessa"/>
+        <a:font script="Orya" typeface="Kalinga"/>
+        <a:font script="Mlym" typeface="Kartika"/>
+        <a:font script="Laoo" typeface="DokChampa"/>
+        <a:font script="Sinh" typeface="Iskoola Pota"/>
+        <a:font script="Mong" typeface="Mongolian Baiti"/>
+        <a:font script="Viet" typeface="Arial"/>
+        <a:font script="Uigh" typeface="Microsoft Uighur"/>
+        <a:font script="Geor" typeface="Sylfaen"/>
+      </a:minorFont>
+    </a:fontScheme>
+    <a:fmtScheme name="Office">
+      <a:fillStyleLst>
+        <a:solidFill>
+          <a:schemeClr val="phClr"/>
+        </a:solidFill>
+        <a:gradFill rotWithShape="1">
+          <a:gsLst>
+            <a:gs pos="0">
+              <a:schemeClr val="phClr">
+                <a:lumMod val="110000"/>
+                <a:satMod val="105000"/>
+                <a:tint val="67000"/>
+              </a:schemeClr>
+            </a:gs>
+            <a:gs pos="50000">
+              <a:schemeClr val="phClr">
+                <a:lumMod val="105000"/>
+                <a:satMod val="103000"/>
+                <a:tint val="73000"/>
+              </a:schemeClr>
+            </a:gs>
+            <a:gs pos="100000">
+              <a:schemeClr val="phClr">
+                <a:lumMod val="105000"/>
+                <a:satMod val="109000"/>
+                <a:tint val="81000"/>
+              </a:schemeClr>
+            </a:gs>
+          </a:gsLst>
+          <a:lin ang="5400000" scaled="0"/>
+        </a:gradFill>
+        <a:gradFill rotWithShape="1">
+          <a:gsLst>
+            <a:gs pos="0">
+              <a:schemeClr val="phClr">
+                <a:satMod val="103000"/>
+                <a:lumMod val="102000"/>
+                <a:tint val="94000"/>
+              </a:schemeClr>
+            </a:gs>
+            <a:gs pos="50000">
+              <a:schemeClr val="phClr">
+                <a:satMod val="110000"/>
+                <a:lumMod val="100000"/>
+                <a:shade val="100000"/>
+              </a:schemeClr>
+            </a:gs>
+            <a:gs pos="100000">
+              <a:schemeClr val="phClr">
+                <a:lumMod val="99000"/>
+                <a:satMod val="120000"/>
+                <a:shade val="78000"/>
+              </a:schemeClr>
+            </a:gs>
+          </a:gsLst>
+          <a:lin ang="5400000" scaled="0"/>
+        </a:gradFill>
+      </a:fillStyleLst>
+      <a:lnStyleLst>
+        <a:ln w="6350" cap="flat" cmpd="sng" algn="ctr">
+          <a:solidFill>
+            <a:schemeClr val="phClr"/>
+          </a:solidFill>
+          <a:prstDash val="solid"/>
+          <a:miter lim="800000"/>
+        </a:ln>
+        <a:ln w="12700" cap="flat" cmpd="sng" algn="ctr">
+          <a:solidFill>
+            <a:schemeClr val="phClr"/>
+          </a:solidFill>
+          <a:prstDash val="solid"/>
+          <a:miter lim="800000"/>
+        </a:ln>
+        <a:ln w="19050" cap="flat" cmpd="sng" algn="ctr">
+          <a:solidFill>
+            <a:schemeClr val="phClr"/>
+          </a:solidFill>
+          <a:prstDash val="solid"/>
+          <a:miter lim="800000"/>
+        </a:ln>
+      </a:lnStyleLst>
+      <a:effectStyleLst>
+        <a:effectStyle>
+          <a:effectLst/>
+        </a:effectStyle>
+        <a:effectStyle>
+          <a:effectLst/>
+        </a:effectStyle>
+        <a:effectStyle>
+          <a:effectLst>
+            <a:outerShdw blurRad="57150" dist="19050" dir="5400000" algn="ctr" rotWithShape="0">
+              <a:srgbClr val="000000">
+                <a:alpha val="63000"/>
+              </a:srgbClr>
+            </a:outerShdw>
+          </a:effectLst>
+        </a:effectStyle>
+      </a:effectStyleLst>
+      <a:bgFillStyleLst>
+        <a:solidFill>
+          <a:schemeClr val="phClr"/>
+        </a:solidFill>
+        <a:solidFill>
+          <a:schemeClr val="phClr">
+            <a:tint val="95000"/>
+            <a:satMod val="170000"/>
+          </a:schemeClr>
+        </a:solidFill>
+        <a:gradFill rotWithShape="1">
+          <a:gsLst>
+            <a:gs pos="0">
+              <a:schemeClr val="phClr">
+                <a:tint val="93000"/>
+                <a:satMod val="150000"/>
+                <a:shade val="98000"/>
+                <a:lumMod val="102000"/>
+              </a:schemeClr>
+            </a:gs>
+            <a:gs pos="50000">
+              <a:schemeClr val="phClr">
+                <a:tint val="98000"/>
+                <a:satMod val="130000"/>
+                <a:shade val="90000"/>
+                <a:lumMod val="103000"/>
+              </a:schemeClr>
+            </a:gs>
+            <a:gs pos="100000">
+              <a:schemeClr val="phClr">
+                <a:shade val="63000"/>
+                <a:satMod val="120000"/>
+              </a:schemeClr>
+            </a:gs>
+          </a:gsLst>
+          <a:lin ang="5400000" scaled="0"/>
+        </a:gradFill>
+      </a:bgFillStyleLst>
+    </a:fmtScheme>
+  </a:themeElements>
+  <a:objectDefaults/>
+  <a:extraClrSchemeLst/>
+  <a:extLst>
+    <a:ext uri="{05A4C25C-085E-4340-85A3-A5531E510DB2}">
+      <thm15:themeFamily xmlns:thm15="http://schemas.microsoft.com/office/thememl/2012/main" name="Office Theme" id="{62F939B6-93AF-4DB8-9C6B-D6C7DFDC589F}" vid="{4A3C46E8-61CC-4603-A589-7422A47A8E4A}"/>
+    </a:ext>
+  </a:extLst>
+</a:theme>
 </file>
--- a/Prezentacija/Prezentacija.pptx
+++ b/Prezentacija/Prezentacija.pptx
@@ -173,6 +173,7 @@
           </a:p>
         </c:rich>
       </c:tx>
+      <c:layout/>
       <c:overlay val="0"/>
       <c:spPr>
         <a:noFill/>
@@ -848,11 +849,11 @@
         </c:dLbls>
         <c:gapWidth val="150"/>
         <c:overlap val="100"/>
-        <c:axId val="356896040"/>
-        <c:axId val="356900352"/>
+        <c:axId val="291227976"/>
+        <c:axId val="291229152"/>
       </c:barChart>
       <c:catAx>
-        <c:axId val="356896040"/>
+        <c:axId val="291227976"/>
         <c:scaling>
           <c:orientation val="minMax"/>
         </c:scaling>
@@ -895,7 +896,7 @@
             <a:endParaRPr lang="sr-Latn-RS"/>
           </a:p>
         </c:txPr>
-        <c:crossAx val="356900352"/>
+        <c:crossAx val="291229152"/>
         <c:crosses val="autoZero"/>
         <c:auto val="1"/>
         <c:lblAlgn val="ctr"/>
@@ -903,7 +904,7 @@
         <c:noMultiLvlLbl val="0"/>
       </c:catAx>
       <c:valAx>
-        <c:axId val="356900352"/>
+        <c:axId val="291229152"/>
         <c:scaling>
           <c:orientation val="minMax"/>
         </c:scaling>
@@ -954,7 +955,7 @@
             <a:endParaRPr lang="sr-Latn-RS"/>
           </a:p>
         </c:txPr>
-        <c:crossAx val="356896040"/>
+        <c:crossAx val="291227976"/>
         <c:crosses val="autoZero"/>
         <c:crossBetween val="between"/>
       </c:valAx>
@@ -2383,7 +2384,7 @@
             </a:lvl1pPr>
           </a:lstStyle>
           <a:p>
-            <a:fld id="{29219AE2-0116-4B77-8EE0-A37B8CE64B8E}" type="datetime1">
+            <a:fld id="{2D2CC0AB-82F8-4982-8137-23AA4A106949}" type="datetime1">
               <a:rPr lang="en-US" smtClean="0"/>
               <a:t>1/25/2016</a:t>
             </a:fld>
@@ -2422,6 +2423,10 @@
             </a:lvl1pPr>
           </a:lstStyle>
           <a:p>
+            <a:r>
+              <a:rPr lang="en-US" smtClean="0"/>
+              <a:t>[OPP Projekt] Bananablade - Sustav za arhiviranje i reprodukciju tonskih zapisa</a:t>
+            </a:r>
             <a:endParaRPr lang="en-US" dirty="0"/>
           </a:p>
         </p:txBody>
@@ -2646,7 +2651,7 @@
           <a:bodyPr/>
           <a:lstStyle/>
           <a:p>
-            <a:fld id="{67D90C99-94F6-4447-B5C7-F0A6C329C443}" type="datetime1">
+            <a:fld id="{B70487C3-7E6D-4D18-AD87-E8429B71EA70}" type="datetime1">
               <a:rPr lang="en-US" smtClean="0"/>
               <a:t>1/25/2016</a:t>
             </a:fld>
@@ -2669,6 +2674,10 @@
           <a:bodyPr/>
           <a:lstStyle/>
           <a:p>
+            <a:r>
+              <a:rPr lang="en-US" smtClean="0"/>
+              <a:t>[OPP Projekt] Bananablade - Sustav za arhiviranje i reprodukciju tonskih zapisa</a:t>
+            </a:r>
             <a:endParaRPr lang="en-US" dirty="0"/>
           </a:p>
         </p:txBody>
@@ -2882,7 +2891,7 @@
             </a:lvl1pPr>
           </a:lstStyle>
           <a:p>
-            <a:fld id="{CDA93D7F-49B9-4C61-8B05-667C27EDEB27}" type="datetime1">
+            <a:fld id="{10DEAAAA-2BFF-4D2F-905B-5C3D883FF8E4}" type="datetime1">
               <a:rPr lang="en-US" smtClean="0"/>
               <a:t>1/25/2016</a:t>
             </a:fld>
@@ -2910,6 +2919,10 @@
           <a:bodyPr/>
           <a:lstStyle/>
           <a:p>
+            <a:r>
+              <a:rPr lang="en-US" smtClean="0"/>
+              <a:t>[OPP Projekt] Bananablade - Sustav za arhiviranje i reprodukciju tonskih zapisa</a:t>
+            </a:r>
             <a:endParaRPr lang="en-US" dirty="0"/>
           </a:p>
         </p:txBody>
@@ -3110,75 +3123,100 @@
       </p:sp>
       <p:sp>
         <p:nvSpPr>
-          <p:cNvPr id="4" name="Date Placeholder 3"/>
-          <p:cNvSpPr>
-            <a:spLocks noGrp="1"/>
-          </p:cNvSpPr>
-          <p:nvPr>
-            <p:ph type="dt" sz="half" idx="10"/>
-          </p:nvPr>
-        </p:nvSpPr>
-        <p:spPr/>
-        <p:txBody>
-          <a:bodyPr/>
-          <a:lstStyle/>
-          <a:p>
-            <a:fld id="{E9F90BC2-C6B1-4FFE-9616-367EFD7A3C5C}" type="datetime1">
-              <a:rPr lang="en-US" smtClean="0"/>
-              <a:t>1/25/2016</a:t>
-            </a:fld>
-            <a:endParaRPr lang="en-US" dirty="0"/>
-          </a:p>
-        </p:txBody>
-      </p:sp>
-      <p:sp>
-        <p:nvSpPr>
           <p:cNvPr id="5" name="Footer Placeholder 4"/>
           <p:cNvSpPr>
             <a:spLocks noGrp="1"/>
           </p:cNvSpPr>
           <p:nvPr>
             <p:ph type="ftr" sz="quarter" idx="11"/>
-          </p:nvPr>
-        </p:nvSpPr>
-        <p:spPr/>
-        <p:txBody>
-          <a:bodyPr/>
-          <a:lstStyle/>
-          <a:p>
-            <a:endParaRPr lang="en-US" dirty="0"/>
-          </a:p>
-        </p:txBody>
-      </p:sp>
-      <p:sp>
-        <p:nvSpPr>
-          <p:cNvPr id="6" name="Slide Number Placeholder 5"/>
-          <p:cNvSpPr>
-            <a:spLocks noGrp="1"/>
-          </p:cNvSpPr>
-          <p:nvPr>
-            <p:ph type="sldNum" sz="quarter" idx="12"/>
           </p:nvPr>
         </p:nvSpPr>
         <p:spPr>
           <a:xfrm>
-            <a:off x="10558300" y="5956137"/>
-            <a:ext cx="1052508" cy="365125"/>
+            <a:off x="581192" y="5951811"/>
+            <a:ext cx="5035837" cy="365125"/>
           </a:xfrm>
         </p:spPr>
         <p:txBody>
           <a:bodyPr/>
           <a:lstStyle/>
           <a:p>
+            <a:r>
+              <a:rPr lang="en-US" smtClean="0"/>
+              <a:t>[OPP Projekt] Bananablade - Sustav za arhiviranje i reprodukciju tonskih zapisa</a:t>
+            </a:r>
+            <a:endParaRPr lang="en-US" dirty="0"/>
+          </a:p>
+        </p:txBody>
+      </p:sp>
+      <p:sp>
+        <p:nvSpPr>
+          <p:cNvPr id="6" name="Slide Number Placeholder 5"/>
+          <p:cNvSpPr>
+            <a:spLocks noGrp="1"/>
+          </p:cNvSpPr>
+          <p:nvPr>
+            <p:ph type="sldNum" sz="quarter" idx="12"/>
+          </p:nvPr>
+        </p:nvSpPr>
+        <p:spPr>
+          <a:xfrm>
+            <a:off x="10890807" y="1350831"/>
+            <a:ext cx="720000" cy="365125"/>
+          </a:xfrm>
+        </p:spPr>
+        <p:txBody>
+          <a:bodyPr/>
+          <a:lstStyle>
+            <a:lvl1pPr>
+              <a:defRPr>
+                <a:solidFill>
+                  <a:schemeClr val="bg1"/>
+                </a:solidFill>
+              </a:defRPr>
+            </a:lvl1pPr>
+          </a:lstStyle>
+          <a:p>
+            <a:pPr algn="ctr"/>
             <a:fld id="{D57F1E4F-1CFF-5643-939E-217C01CDF565}" type="slidenum">
               <a:rPr lang="en-US" smtClean="0"/>
-              <a:pPr/>
+              <a:pPr algn="ctr"/>
               <a:t>‹#›</a:t>
             </a:fld>
             <a:endParaRPr lang="en-US" dirty="0"/>
           </a:p>
         </p:txBody>
       </p:sp>
+      <p:pic>
+        <p:nvPicPr>
+          <p:cNvPr id="8" name="Slika 7"/>
+          <p:cNvPicPr>
+            <a:picLocks noChangeAspect="1"/>
+          </p:cNvPicPr>
+          <p:nvPr userDrawn="1"/>
+        </p:nvPicPr>
+        <p:blipFill>
+          <a:blip r:embed="rId2">
+            <a:extLst>
+              <a:ext uri="{28A0092B-C50C-407E-A947-70E740481C1C}">
+                <a14:useLocalDpi xmlns:a14="http://schemas.microsoft.com/office/drawing/2010/main" val="0"/>
+              </a:ext>
+            </a:extLst>
+          </a:blip>
+          <a:stretch>
+            <a:fillRect/>
+          </a:stretch>
+        </p:blipFill>
+        <p:spPr>
+          <a:xfrm>
+            <a:off x="10890807" y="5689473"/>
+            <a:ext cx="1186399" cy="889799"/>
+          </a:xfrm>
+          <a:prstGeom prst="rect">
+            <a:avLst/>
+          </a:prstGeom>
+        </p:spPr>
+      </p:pic>
     </p:spTree>
     <p:extLst>
       <p:ext uri="{BB962C8B-B14F-4D97-AF65-F5344CB8AC3E}">
@@ -3431,7 +3469,7 @@
             </a:lvl1pPr>
           </a:lstStyle>
           <a:p>
-            <a:fld id="{E610F753-5B93-43CD-B104-E2825596EFC5}" type="datetime1">
+            <a:fld id="{19EBA704-390E-4274-979A-84553B06C826}" type="datetime1">
               <a:rPr lang="en-US" smtClean="0"/>
               <a:t>1/25/2016</a:t>
             </a:fld>
@@ -3465,6 +3503,10 @@
             </a:lvl1pPr>
           </a:lstStyle>
           <a:p>
+            <a:r>
+              <a:rPr lang="en-US" smtClean="0"/>
+              <a:t>[OPP Projekt] Bananablade - Sustav za arhiviranje i reprodukciju tonskih zapisa</a:t>
+            </a:r>
             <a:endParaRPr lang="en-US" dirty="0"/>
           </a:p>
         </p:txBody>
@@ -3734,7 +3776,7 @@
           <a:bodyPr/>
           <a:lstStyle/>
           <a:p>
-            <a:fld id="{BC3E45DA-7C17-4B84-86D1-FDBDFC89CC62}" type="datetime1">
+            <a:fld id="{780D3442-ADEF-4032-A9D4-00BD27418FE9}" type="datetime1">
               <a:rPr lang="en-US" smtClean="0"/>
               <a:t>1/25/2016</a:t>
             </a:fld>
@@ -3757,6 +3799,10 @@
           <a:bodyPr/>
           <a:lstStyle/>
           <a:p>
+            <a:r>
+              <a:rPr lang="en-US" smtClean="0"/>
+              <a:t>[OPP Projekt] Bananablade - Sustav za arhiviranje i reprodukciju tonskih zapisa</a:t>
+            </a:r>
             <a:endParaRPr lang="en-US" dirty="0"/>
           </a:p>
         </p:txBody>
@@ -4157,7 +4203,7 @@
           <a:bodyPr/>
           <a:lstStyle/>
           <a:p>
-            <a:fld id="{C2B81094-5684-4C2C-B1CB-001A52590EFD}" type="datetime1">
+            <a:fld id="{EDCE4E46-871F-4615-A903-5FAA74BDB89F}" type="datetime1">
               <a:rPr lang="en-US" smtClean="0"/>
               <a:t>1/25/2016</a:t>
             </a:fld>
@@ -4180,6 +4226,10 @@
           <a:bodyPr/>
           <a:lstStyle/>
           <a:p>
+            <a:r>
+              <a:rPr lang="en-US" smtClean="0"/>
+              <a:t>[OPP Projekt] Bananablade - Sustav za arhiviranje i reprodukciju tonskih zapisa</a:t>
+            </a:r>
             <a:endParaRPr lang="en-US" dirty="0"/>
           </a:p>
         </p:txBody>
@@ -4253,7 +4303,7 @@
           <a:bodyPr/>
           <a:lstStyle/>
           <a:p>
-            <a:fld id="{F99E0C0D-886D-4342-AAA0-828037299E75}" type="datetime1">
+            <a:fld id="{1B0B0F09-A4FB-4A1A-A00B-52E16BEF5F97}" type="datetime1">
               <a:rPr lang="en-US" smtClean="0"/>
               <a:t>1/25/2016</a:t>
             </a:fld>
@@ -4276,6 +4326,10 @@
           <a:bodyPr/>
           <a:lstStyle/>
           <a:p>
+            <a:r>
+              <a:rPr lang="en-US" smtClean="0"/>
+              <a:t>[OPP Projekt] Bananablade - Sustav za arhiviranje i reprodukciju tonskih zapisa</a:t>
+            </a:r>
             <a:endParaRPr lang="en-US" dirty="0"/>
           </a:p>
         </p:txBody>
@@ -4416,7 +4470,7 @@
           <a:bodyPr/>
           <a:lstStyle/>
           <a:p>
-            <a:fld id="{35185806-91DA-47BD-96FE-4B980207B0DE}" type="datetime1">
+            <a:fld id="{DB1C1FE4-0C86-42BB-B4D3-66820A05031D}" type="datetime1">
               <a:rPr lang="en-US" smtClean="0"/>
               <a:t>1/25/2016</a:t>
             </a:fld>
@@ -4439,6 +4493,10 @@
           <a:bodyPr/>
           <a:lstStyle/>
           <a:p>
+            <a:r>
+              <a:rPr lang="en-US" smtClean="0"/>
+              <a:t>[OPP Projekt] Bananablade - Sustav za arhiviranje i reprodukciju tonskih zapisa</a:t>
+            </a:r>
             <a:endParaRPr lang="en-US" dirty="0"/>
           </a:p>
         </p:txBody>
@@ -4795,7 +4853,7 @@
             </a:lvl1pPr>
           </a:lstStyle>
           <a:p>
-            <a:fld id="{726DBF1E-9DFC-45C5-8762-892D719CB667}" type="datetime1">
+            <a:fld id="{0F0202DA-52FC-492D-A756-188566781B2E}" type="datetime1">
               <a:rPr lang="en-US" smtClean="0"/>
               <a:t>1/25/2016</a:t>
             </a:fld>
@@ -4829,6 +4887,10 @@
             </a:lvl1pPr>
           </a:lstStyle>
           <a:p>
+            <a:r>
+              <a:rPr lang="en-US" smtClean="0"/>
+              <a:t>[OPP Projekt] Bananablade - Sustav za arhiviranje i reprodukciju tonskih zapisa</a:t>
+            </a:r>
             <a:endParaRPr lang="en-US" dirty="0"/>
           </a:p>
         </p:txBody>
@@ -5085,7 +5147,7 @@
           <a:bodyPr/>
           <a:lstStyle/>
           <a:p>
-            <a:fld id="{F90DF059-B0F0-4A2D-A545-A6AE3328325C}" type="datetime1">
+            <a:fld id="{AAD24D4D-834D-40F7-8614-7EAB222EC555}" type="datetime1">
               <a:rPr lang="en-US" smtClean="0"/>
               <a:t>1/25/2016</a:t>
             </a:fld>
@@ -5108,6 +5170,10 @@
           <a:bodyPr/>
           <a:lstStyle/>
           <a:p>
+            <a:r>
+              <a:rPr lang="en-US" smtClean="0"/>
+              <a:t>[OPP Projekt] Bananablade - Sustav za arhiviranje i reprodukciju tonskih zapisa</a:t>
+            </a:r>
             <a:endParaRPr lang="en-US" dirty="0"/>
           </a:p>
         </p:txBody>
@@ -5297,7 +5363,7 @@
             </a:lvl1pPr>
           </a:lstStyle>
           <a:p>
-            <a:fld id="{49F709A5-9258-4B88-B65B-829E65D2808B}" type="datetime1">
+            <a:fld id="{0ADA977C-BAC9-4331-B721-B185BEA01338}" type="datetime1">
               <a:rPr lang="en-US" smtClean="0"/>
               <a:t>1/25/2016</a:t>
             </a:fld>
@@ -5336,6 +5402,10 @@
             </a:lvl1pPr>
           </a:lstStyle>
           <a:p>
+            <a:r>
+              <a:rPr lang="en-US" smtClean="0"/>
+              <a:t>[OPP Projekt] Bananablade - Sustav za arhiviranje i reprodukciju tonskih zapisa</a:t>
+            </a:r>
             <a:endParaRPr lang="en-US" dirty="0"/>
           </a:p>
         </p:txBody>
@@ -5512,7 +5582,7 @@
     <p:sldLayoutId id="2147483682" r:id="rId10"/>
     <p:sldLayoutId id="2147483683" r:id="rId11"/>
   </p:sldLayoutIdLst>
-  <p:hf hdr="0" ftr="0" dt="0"/>
+  <p:hf hdr="0" dt="0"/>
   <p:txStyles>
     <p:titleStyle>
       <a:lvl1pPr algn="l" defTabSz="457200" rtl="0" eaLnBrk="1" latinLnBrk="0" hangingPunct="1">
@@ -6186,12 +6256,12 @@
         <p:spPr>
           <a:xfrm>
             <a:off x="581192" y="2180496"/>
-            <a:ext cx="11029615" cy="4143031"/>
+            <a:ext cx="11029615" cy="3771315"/>
           </a:xfrm>
         </p:spPr>
         <p:txBody>
           <a:bodyPr>
-            <a:normAutofit fontScale="92500" lnSpcReduction="10000"/>
+            <a:normAutofit fontScale="92500" lnSpcReduction="20000"/>
           </a:bodyPr>
           <a:lstStyle/>
           <a:p>
@@ -6220,10 +6290,9 @@
           </a:p>
           <a:p>
             <a:r>
-              <a:rPr lang="hr-HR" sz="2400" smtClean="0"/>
+              <a:rPr lang="hr-HR" sz="2400" dirty="0" smtClean="0"/>
               <a:t>Izrada aplikacije:</a:t>
             </a:r>
-            <a:endParaRPr lang="hr-HR" sz="2400" dirty="0" smtClean="0"/>
           </a:p>
           <a:p>
             <a:pPr lvl="1"/>
@@ -6306,6 +6375,29 @@
               <a:pPr/>
               <a:t>10</a:t>
             </a:fld>
+            <a:endParaRPr lang="en-US" dirty="0"/>
+          </a:p>
+        </p:txBody>
+      </p:sp>
+      <p:sp>
+        <p:nvSpPr>
+          <p:cNvPr id="4" name="Rezervirano mjesto podnožja 3"/>
+          <p:cNvSpPr>
+            <a:spLocks noGrp="1"/>
+          </p:cNvSpPr>
+          <p:nvPr>
+            <p:ph type="ftr" sz="quarter" idx="11"/>
+          </p:nvPr>
+        </p:nvSpPr>
+        <p:spPr/>
+        <p:txBody>
+          <a:bodyPr/>
+          <a:lstStyle/>
+          <a:p>
+            <a:r>
+              <a:rPr lang="en-US" smtClean="0"/>
+              <a:t>[OPP Projekt] Bananablade - Sustav za arhiviranje i reprodukciju tonskih zapisa</a:t>
+            </a:r>
             <a:endParaRPr lang="en-US" dirty="0"/>
           </a:p>
         </p:txBody>
@@ -6383,12 +6475,12 @@
         <p:spPr>
           <a:xfrm>
             <a:off x="581192" y="2180496"/>
-            <a:ext cx="11029615" cy="4400608"/>
+            <a:ext cx="11029615" cy="3771315"/>
           </a:xfrm>
         </p:spPr>
         <p:txBody>
           <a:bodyPr>
-            <a:normAutofit fontScale="92500" lnSpcReduction="10000"/>
+            <a:normAutofit fontScale="85000" lnSpcReduction="20000"/>
           </a:bodyPr>
           <a:lstStyle/>
           <a:p>
@@ -6557,6 +6649,29 @@
               <a:pPr/>
               <a:t>11</a:t>
             </a:fld>
+            <a:endParaRPr lang="en-US" dirty="0"/>
+          </a:p>
+        </p:txBody>
+      </p:sp>
+      <p:sp>
+        <p:nvSpPr>
+          <p:cNvPr id="4" name="Rezervirano mjesto podnožja 3"/>
+          <p:cNvSpPr>
+            <a:spLocks noGrp="1"/>
+          </p:cNvSpPr>
+          <p:nvPr>
+            <p:ph type="ftr" sz="quarter" idx="11"/>
+          </p:nvPr>
+        </p:nvSpPr>
+        <p:spPr/>
+        <p:txBody>
+          <a:bodyPr/>
+          <a:lstStyle/>
+          <a:p>
+            <a:r>
+              <a:rPr lang="en-US" smtClean="0"/>
+              <a:t>[OPP Projekt] Bananablade - Sustav za arhiviranje i reprodukciju tonskih zapisa</a:t>
+            </a:r>
             <a:endParaRPr lang="en-US" dirty="0"/>
           </a:p>
         </p:txBody>
@@ -6715,6 +6830,29 @@
           </a:p>
         </p:txBody>
       </p:sp>
+      <p:sp>
+        <p:nvSpPr>
+          <p:cNvPr id="3" name="Rezervirano mjesto podnožja 2"/>
+          <p:cNvSpPr>
+            <a:spLocks noGrp="1"/>
+          </p:cNvSpPr>
+          <p:nvPr>
+            <p:ph type="ftr" sz="quarter" idx="11"/>
+          </p:nvPr>
+        </p:nvSpPr>
+        <p:spPr/>
+        <p:txBody>
+          <a:bodyPr/>
+          <a:lstStyle/>
+          <a:p>
+            <a:r>
+              <a:rPr lang="en-US" smtClean="0"/>
+              <a:t>[OPP Projekt] Bananablade - Sustav za arhiviranje i reprodukciju tonskih zapisa</a:t>
+            </a:r>
+            <a:endParaRPr lang="en-US" dirty="0"/>
+          </a:p>
+        </p:txBody>
+      </p:sp>
     </p:spTree>
     <p:extLst>
       <p:ext uri="{BB962C8B-B14F-4D97-AF65-F5344CB8AC3E}">
@@ -6843,6 +6981,29 @@
           </a:p>
         </p:txBody>
       </p:sp>
+      <p:sp>
+        <p:nvSpPr>
+          <p:cNvPr id="3" name="Rezervirano mjesto podnožja 2"/>
+          <p:cNvSpPr>
+            <a:spLocks noGrp="1"/>
+          </p:cNvSpPr>
+          <p:nvPr>
+            <p:ph type="ftr" sz="quarter" idx="11"/>
+          </p:nvPr>
+        </p:nvSpPr>
+        <p:spPr/>
+        <p:txBody>
+          <a:bodyPr/>
+          <a:lstStyle/>
+          <a:p>
+            <a:r>
+              <a:rPr lang="en-US" smtClean="0"/>
+              <a:t>[OPP Projekt] Bananablade - Sustav za arhiviranje i reprodukciju tonskih zapisa</a:t>
+            </a:r>
+            <a:endParaRPr lang="en-US" dirty="0"/>
+          </a:p>
+        </p:txBody>
+      </p:sp>
     </p:spTree>
     <p:extLst>
       <p:ext uri="{BB962C8B-B14F-4D97-AF65-F5344CB8AC3E}">
@@ -7110,6 +7271,29 @@
           </a:p>
         </p:txBody>
       </p:sp>
+      <p:sp>
+        <p:nvSpPr>
+          <p:cNvPr id="2" name="Rezervirano mjesto podnožja 1"/>
+          <p:cNvSpPr>
+            <a:spLocks noGrp="1"/>
+          </p:cNvSpPr>
+          <p:nvPr>
+            <p:ph type="ftr" sz="quarter" idx="11"/>
+          </p:nvPr>
+        </p:nvSpPr>
+        <p:spPr/>
+        <p:txBody>
+          <a:bodyPr/>
+          <a:lstStyle/>
+          <a:p>
+            <a:r>
+              <a:rPr lang="en-US" smtClean="0"/>
+              <a:t>[OPP Projekt] Bananablade - Sustav za arhiviranje i reprodukciju tonskih zapisa</a:t>
+            </a:r>
+            <a:endParaRPr lang="en-US" dirty="0"/>
+          </a:p>
+        </p:txBody>
+      </p:sp>
     </p:spTree>
     <p:extLst>
       <p:ext uri="{BB962C8B-B14F-4D97-AF65-F5344CB8AC3E}">
@@ -7283,6 +7467,29 @@
           </a:p>
         </p:txBody>
       </p:sp>
+      <p:sp>
+        <p:nvSpPr>
+          <p:cNvPr id="4" name="Rezervirano mjesto podnožja 3"/>
+          <p:cNvSpPr>
+            <a:spLocks noGrp="1"/>
+          </p:cNvSpPr>
+          <p:nvPr>
+            <p:ph type="ftr" sz="quarter" idx="11"/>
+          </p:nvPr>
+        </p:nvSpPr>
+        <p:spPr/>
+        <p:txBody>
+          <a:bodyPr/>
+          <a:lstStyle/>
+          <a:p>
+            <a:r>
+              <a:rPr lang="en-US" smtClean="0"/>
+              <a:t>[OPP Projekt] Bananablade - Sustav za arhiviranje i reprodukciju tonskih zapisa</a:t>
+            </a:r>
+            <a:endParaRPr lang="en-US" dirty="0"/>
+          </a:p>
+        </p:txBody>
+      </p:sp>
     </p:spTree>
     <p:extLst>
       <p:ext uri="{BB962C8B-B14F-4D97-AF65-F5344CB8AC3E}">
@@ -7485,6 +7692,29 @@
           </a:p>
         </p:txBody>
       </p:sp>
+      <p:sp>
+        <p:nvSpPr>
+          <p:cNvPr id="4" name="Rezervirano mjesto podnožja 3"/>
+          <p:cNvSpPr>
+            <a:spLocks noGrp="1"/>
+          </p:cNvSpPr>
+          <p:nvPr>
+            <p:ph type="ftr" sz="quarter" idx="11"/>
+          </p:nvPr>
+        </p:nvSpPr>
+        <p:spPr/>
+        <p:txBody>
+          <a:bodyPr/>
+          <a:lstStyle/>
+          <a:p>
+            <a:r>
+              <a:rPr lang="en-US" smtClean="0"/>
+              <a:t>[OPP Projekt] Bananablade - Sustav za arhiviranje i reprodukciju tonskih zapisa</a:t>
+            </a:r>
+            <a:endParaRPr lang="en-US" dirty="0"/>
+          </a:p>
+        </p:txBody>
+      </p:sp>
     </p:spTree>
     <p:extLst>
       <p:ext uri="{BB962C8B-B14F-4D97-AF65-F5344CB8AC3E}">
@@ -7699,6 +7929,29 @@
           </a:p>
         </p:txBody>
       </p:sp>
+      <p:sp>
+        <p:nvSpPr>
+          <p:cNvPr id="4" name="Rezervirano mjesto podnožja 3"/>
+          <p:cNvSpPr>
+            <a:spLocks noGrp="1"/>
+          </p:cNvSpPr>
+          <p:nvPr>
+            <p:ph type="ftr" sz="quarter" idx="11"/>
+          </p:nvPr>
+        </p:nvSpPr>
+        <p:spPr/>
+        <p:txBody>
+          <a:bodyPr/>
+          <a:lstStyle/>
+          <a:p>
+            <a:r>
+              <a:rPr lang="en-US" smtClean="0"/>
+              <a:t>[OPP Projekt] Bananablade - Sustav za arhiviranje i reprodukciju tonskih zapisa</a:t>
+            </a:r>
+            <a:endParaRPr lang="en-US" dirty="0"/>
+          </a:p>
+        </p:txBody>
+      </p:sp>
     </p:spTree>
     <p:extLst>
       <p:ext uri="{BB962C8B-B14F-4D97-AF65-F5344CB8AC3E}">
@@ -7887,6 +8140,29 @@
           </a:p>
         </p:txBody>
       </p:sp>
+      <p:sp>
+        <p:nvSpPr>
+          <p:cNvPr id="4" name="Rezervirano mjesto podnožja 3"/>
+          <p:cNvSpPr>
+            <a:spLocks noGrp="1"/>
+          </p:cNvSpPr>
+          <p:nvPr>
+            <p:ph type="ftr" sz="quarter" idx="11"/>
+          </p:nvPr>
+        </p:nvSpPr>
+        <p:spPr/>
+        <p:txBody>
+          <a:bodyPr/>
+          <a:lstStyle/>
+          <a:p>
+            <a:r>
+              <a:rPr lang="en-US" smtClean="0"/>
+              <a:t>[OPP Projekt] Bananablade - Sustav za arhiviranje i reprodukciju tonskih zapisa</a:t>
+            </a:r>
+            <a:endParaRPr lang="en-US" dirty="0"/>
+          </a:p>
+        </p:txBody>
+      </p:sp>
     </p:spTree>
     <p:extLst>
       <p:ext uri="{BB962C8B-B14F-4D97-AF65-F5344CB8AC3E}">
@@ -8070,8 +8346,8 @@
         </p:blipFill>
         <p:spPr>
           <a:xfrm>
-            <a:off x="9430521" y="2175342"/>
-            <a:ext cx="2180286" cy="2180286"/>
+            <a:off x="9855200" y="2180496"/>
+            <a:ext cx="1755607" cy="1755607"/>
           </a:xfrm>
           <a:prstGeom prst="rect">
             <a:avLst/>
@@ -8100,7 +8376,7 @@
         </p:blipFill>
         <p:spPr>
           <a:xfrm>
-            <a:off x="6833542" y="4444384"/>
+            <a:off x="7041888" y="3919277"/>
             <a:ext cx="4777265" cy="1791474"/>
           </a:xfrm>
           <a:prstGeom prst="rect">
@@ -8130,8 +8406,8 @@
         </p:blipFill>
         <p:spPr>
           <a:xfrm>
-            <a:off x="6833542" y="2397040"/>
-            <a:ext cx="1941864" cy="1736889"/>
+            <a:off x="7041888" y="2314435"/>
+            <a:ext cx="1813045" cy="1621668"/>
           </a:xfrm>
           <a:prstGeom prst="rect">
             <a:avLst/>
@@ -8158,6 +8434,29 @@
               <a:pPr/>
               <a:t>6</a:t>
             </a:fld>
+            <a:endParaRPr lang="en-US" dirty="0"/>
+          </a:p>
+        </p:txBody>
+      </p:sp>
+      <p:sp>
+        <p:nvSpPr>
+          <p:cNvPr id="7" name="Rezervirano mjesto podnožja 6"/>
+          <p:cNvSpPr>
+            <a:spLocks noGrp="1"/>
+          </p:cNvSpPr>
+          <p:nvPr>
+            <p:ph type="ftr" sz="quarter" idx="11"/>
+          </p:nvPr>
+        </p:nvSpPr>
+        <p:spPr/>
+        <p:txBody>
+          <a:bodyPr/>
+          <a:lstStyle/>
+          <a:p>
+            <a:r>
+              <a:rPr lang="en-US" smtClean="0"/>
+              <a:t>[OPP Projekt] Bananablade - Sustav za arhiviranje i reprodukciju tonskih zapisa</a:t>
+            </a:r>
             <a:endParaRPr lang="en-US" dirty="0"/>
           </a:p>
         </p:txBody>
@@ -8362,8 +8661,8 @@
         </p:blipFill>
         <p:spPr>
           <a:xfrm>
-            <a:off x="7087287" y="2180496"/>
-            <a:ext cx="1548513" cy="1683166"/>
+            <a:off x="7492271" y="2180496"/>
+            <a:ext cx="1404985" cy="1527157"/>
           </a:xfrm>
           <a:prstGeom prst="rect">
             <a:avLst/>
@@ -8392,8 +8691,8 @@
         </p:blipFill>
         <p:spPr>
           <a:xfrm>
-            <a:off x="9927641" y="2180496"/>
-            <a:ext cx="1683166" cy="1683166"/>
+            <a:off x="9927641" y="2286092"/>
+            <a:ext cx="1315964" cy="1315964"/>
           </a:xfrm>
           <a:prstGeom prst="rect">
             <a:avLst/>
@@ -8423,7 +8722,7 @@
         <p:spPr>
           <a:xfrm>
             <a:off x="9927641" y="3961000"/>
-            <a:ext cx="1693983" cy="1995137"/>
+            <a:ext cx="1315964" cy="1549915"/>
           </a:xfrm>
           <a:prstGeom prst="rect">
             <a:avLst/>
@@ -8452,8 +8751,8 @@
         </p:blipFill>
         <p:spPr>
           <a:xfrm>
-            <a:off x="7087287" y="4235888"/>
-            <a:ext cx="2295457" cy="1720249"/>
+            <a:off x="7492271" y="3961000"/>
+            <a:ext cx="2068168" cy="1549915"/>
           </a:xfrm>
           <a:prstGeom prst="rect">
             <a:avLst/>
@@ -8480,6 +8779,29 @@
               <a:pPr/>
               <a:t>7</a:t>
             </a:fld>
+            <a:endParaRPr lang="en-US" dirty="0"/>
+          </a:p>
+        </p:txBody>
+      </p:sp>
+      <p:sp>
+        <p:nvSpPr>
+          <p:cNvPr id="8" name="Rezervirano mjesto podnožja 7"/>
+          <p:cNvSpPr>
+            <a:spLocks noGrp="1"/>
+          </p:cNvSpPr>
+          <p:nvPr>
+            <p:ph type="ftr" sz="quarter" idx="11"/>
+          </p:nvPr>
+        </p:nvSpPr>
+        <p:spPr/>
+        <p:txBody>
+          <a:bodyPr/>
+          <a:lstStyle/>
+          <a:p>
+            <a:r>
+              <a:rPr lang="en-US" smtClean="0"/>
+              <a:t>[OPP Projekt] Bananablade - Sustav za arhiviranje i reprodukciju tonskih zapisa</a:t>
+            </a:r>
             <a:endParaRPr lang="en-US" dirty="0"/>
           </a:p>
         </p:txBody>
@@ -8607,6 +8929,29 @@
           </a:p>
         </p:txBody>
       </p:sp>
+      <p:sp>
+        <p:nvSpPr>
+          <p:cNvPr id="3" name="Rezervirano mjesto podnožja 2"/>
+          <p:cNvSpPr>
+            <a:spLocks noGrp="1"/>
+          </p:cNvSpPr>
+          <p:nvPr>
+            <p:ph type="ftr" sz="quarter" idx="11"/>
+          </p:nvPr>
+        </p:nvSpPr>
+        <p:spPr/>
+        <p:txBody>
+          <a:bodyPr/>
+          <a:lstStyle/>
+          <a:p>
+            <a:r>
+              <a:rPr lang="en-US" smtClean="0"/>
+              <a:t>[OPP Projekt] Bananablade - Sustav za arhiviranje i reprodukciju tonskih zapisa</a:t>
+            </a:r>
+            <a:endParaRPr lang="en-US" dirty="0"/>
+          </a:p>
+        </p:txBody>
+      </p:sp>
     </p:spTree>
     <p:extLst>
       <p:ext uri="{BB962C8B-B14F-4D97-AF65-F5344CB8AC3E}">
@@ -8687,14 +9032,14 @@
             <p:ph idx="1"/>
             <p:extLst>
               <p:ext uri="{D42A27DB-BD31-4B8C-83A1-F6EECF244321}">
-                <p14:modId xmlns:p14="http://schemas.microsoft.com/office/powerpoint/2010/main" val="3850876302"/>
+                <p14:modId xmlns:p14="http://schemas.microsoft.com/office/powerpoint/2010/main" val="1863592381"/>
               </p:ext>
             </p:extLst>
           </p:nvPr>
         </p:nvGraphicFramePr>
         <p:xfrm>
           <a:off x="581025" y="2181225"/>
-          <a:ext cx="11029950" cy="3678238"/>
+          <a:ext cx="11029950" cy="3356690"/>
         </p:xfrm>
         <a:graphic>
           <a:graphicData uri="http://schemas.openxmlformats.org/drawingml/2006/chart">
@@ -8710,7 +9055,7 @@
         </p:nvSpPr>
         <p:spPr>
           <a:xfrm>
-            <a:off x="581025" y="6049913"/>
+            <a:off x="581025" y="5613257"/>
             <a:ext cx="11029616" cy="338554"/>
           </a:xfrm>
           <a:prstGeom prst="rect">
@@ -8758,6 +9103,29 @@
               <a:pPr/>
               <a:t>9</a:t>
             </a:fld>
+            <a:endParaRPr lang="en-US" dirty="0"/>
+          </a:p>
+        </p:txBody>
+      </p:sp>
+      <p:sp>
+        <p:nvSpPr>
+          <p:cNvPr id="4" name="Rezervirano mjesto podnožja 3"/>
+          <p:cNvSpPr>
+            <a:spLocks noGrp="1"/>
+          </p:cNvSpPr>
+          <p:nvPr>
+            <p:ph type="ftr" sz="quarter" idx="11"/>
+          </p:nvPr>
+        </p:nvSpPr>
+        <p:spPr/>
+        <p:txBody>
+          <a:bodyPr/>
+          <a:lstStyle/>
+          <a:p>
+            <a:r>
+              <a:rPr lang="en-US" smtClean="0"/>
+              <a:t>[OPP Projekt] Bananablade - Sustav za arhiviranje i reprodukciju tonskih zapisa</a:t>
+            </a:r>
             <a:endParaRPr lang="en-US" dirty="0"/>
           </a:p>
         </p:txBody>

--- a/Prezentacija/Prezentacija.pptx
+++ b/Prezentacija/Prezentacija.pptx
@@ -131,7 +131,7 @@
 <file path=ppt/charts/chart1.xml><?xml version="1.0" encoding="utf-8"?>
 <c:chartSpace xmlns:c="http://schemas.openxmlformats.org/drawingml/2006/chart" xmlns:a="http://schemas.openxmlformats.org/drawingml/2006/main" xmlns:r="http://schemas.openxmlformats.org/officeDocument/2006/relationships">
   <c:date1904 val="0"/>
-  <c:lang val="hr-HR"/>
+  <c:lang val="en-US"/>
   <c:roundedCorners val="0"/>
   <mc:AlternateContent xmlns:mc="http://schemas.openxmlformats.org/markup-compatibility/2006">
     <mc:Choice xmlns:c14="http://schemas.microsoft.com/office/drawing/2007/8/2/chart" Requires="c14">
@@ -173,7 +173,6 @@
           </a:p>
         </c:rich>
       </c:tx>
-      <c:layout/>
       <c:overlay val="0"/>
       <c:spPr>
         <a:noFill/>
@@ -199,7 +198,7 @@
               <a:cs typeface="+mn-cs"/>
             </a:defRPr>
           </a:pPr>
-          <a:endParaRPr lang="sr-Latn-RS"/>
+          <a:endParaRPr lang="en-US"/>
         </a:p>
       </c:txPr>
     </c:title>
@@ -849,11 +848,11 @@
         </c:dLbls>
         <c:gapWidth val="150"/>
         <c:overlap val="100"/>
-        <c:axId val="291227976"/>
-        <c:axId val="291229152"/>
+        <c:axId val="-17325856"/>
+        <c:axId val="-17328032"/>
       </c:barChart>
       <c:catAx>
-        <c:axId val="291227976"/>
+        <c:axId val="-17325856"/>
         <c:scaling>
           <c:orientation val="minMax"/>
         </c:scaling>
@@ -893,10 +892,10 @@
                 <a:cs typeface="+mn-cs"/>
               </a:defRPr>
             </a:pPr>
-            <a:endParaRPr lang="sr-Latn-RS"/>
+            <a:endParaRPr lang="en-US"/>
           </a:p>
         </c:txPr>
-        <c:crossAx val="291229152"/>
+        <c:crossAx val="-17328032"/>
         <c:crosses val="autoZero"/>
         <c:auto val="1"/>
         <c:lblAlgn val="ctr"/>
@@ -904,7 +903,7 @@
         <c:noMultiLvlLbl val="0"/>
       </c:catAx>
       <c:valAx>
-        <c:axId val="291229152"/>
+        <c:axId val="-17328032"/>
         <c:scaling>
           <c:orientation val="minMax"/>
         </c:scaling>
@@ -952,10 +951,10 @@
                 <a:cs typeface="+mn-cs"/>
               </a:defRPr>
             </a:pPr>
-            <a:endParaRPr lang="sr-Latn-RS"/>
+            <a:endParaRPr lang="en-US"/>
           </a:p>
         </c:txPr>
-        <c:crossAx val="291227976"/>
+        <c:crossAx val="-17325856"/>
         <c:crosses val="autoZero"/>
         <c:crossBetween val="between"/>
       </c:valAx>
@@ -985,7 +984,7 @@
       <a:pPr>
         <a:defRPr/>
       </a:pPr>
-      <a:endParaRPr lang="sr-Latn-RS"/>
+      <a:endParaRPr lang="en-US"/>
     </a:p>
   </c:txPr>
   <c:externalData r:id="rId3">
@@ -1621,7 +1620,7 @@
           <a:p>
             <a:fld id="{E4DFF214-730F-47C2-B0BB-677D5AB44F5F}" type="datetimeFigureOut">
               <a:rPr lang="hr-HR" smtClean="0"/>
-              <a:t>25.1.2016.</a:t>
+              <a:t>28.1.2016.</a:t>
             </a:fld>
             <a:endParaRPr lang="hr-HR"/>
           </a:p>
@@ -2076,6 +2075,90 @@
       </p:grpSpPr>
       <p:sp>
         <p:nvSpPr>
+          <p:cNvPr id="2" name="Slide Image Placeholder 1"/>
+          <p:cNvSpPr>
+            <a:spLocks noGrp="1" noRot="1" noChangeAspect="1"/>
+          </p:cNvSpPr>
+          <p:nvPr>
+            <p:ph type="sldImg"/>
+          </p:nvPr>
+        </p:nvSpPr>
+        <p:spPr/>
+      </p:sp>
+      <p:sp>
+        <p:nvSpPr>
+          <p:cNvPr id="3" name="Notes Placeholder 2"/>
+          <p:cNvSpPr>
+            <a:spLocks noGrp="1"/>
+          </p:cNvSpPr>
+          <p:nvPr>
+            <p:ph type="body" idx="1"/>
+          </p:nvPr>
+        </p:nvSpPr>
+        <p:spPr/>
+        <p:txBody>
+          <a:bodyPr/>
+          <a:lstStyle/>
+          <a:p>
+            <a:endParaRPr lang="en-GB"/>
+          </a:p>
+        </p:txBody>
+      </p:sp>
+      <p:sp>
+        <p:nvSpPr>
+          <p:cNvPr id="4" name="Slide Number Placeholder 3"/>
+          <p:cNvSpPr>
+            <a:spLocks noGrp="1"/>
+          </p:cNvSpPr>
+          <p:nvPr>
+            <p:ph type="sldNum" sz="quarter" idx="10"/>
+          </p:nvPr>
+        </p:nvSpPr>
+        <p:spPr/>
+        <p:txBody>
+          <a:bodyPr/>
+          <a:lstStyle/>
+          <a:p>
+            <a:fld id="{58C63DB6-863B-4866-B6BB-955CB90FA6D1}" type="slidenum">
+              <a:rPr lang="hr-HR" smtClean="0"/>
+              <a:t>6</a:t>
+            </a:fld>
+            <a:endParaRPr lang="hr-HR"/>
+          </a:p>
+        </p:txBody>
+      </p:sp>
+    </p:spTree>
+    <p:extLst>
+      <p:ext uri="{BB962C8B-B14F-4D97-AF65-F5344CB8AC3E}">
+        <p14:creationId xmlns:p14="http://schemas.microsoft.com/office/powerpoint/2010/main" val="1723122173"/>
+      </p:ext>
+    </p:extLst>
+  </p:cSld>
+  <p:clrMapOvr>
+    <a:masterClrMapping/>
+  </p:clrMapOvr>
+</p:notes>
+</file>
+
+<file path=ppt/notesSlides/notesSlide4.xml><?xml version="1.0" encoding="utf-8"?>
+<p:notes xmlns:a="http://schemas.openxmlformats.org/drawingml/2006/main" xmlns:r="http://schemas.openxmlformats.org/officeDocument/2006/relationships" xmlns:p="http://schemas.openxmlformats.org/presentationml/2006/main">
+  <p:cSld>
+    <p:spTree>
+      <p:nvGrpSpPr>
+        <p:cNvPr id="1" name=""/>
+        <p:cNvGrpSpPr/>
+        <p:nvPr/>
+      </p:nvGrpSpPr>
+      <p:grpSpPr>
+        <a:xfrm>
+          <a:off x="0" y="0"/>
+          <a:ext cx="0" cy="0"/>
+          <a:chOff x="0" y="0"/>
+          <a:chExt cx="0" cy="0"/>
+        </a:xfrm>
+      </p:grpSpPr>
+      <p:sp>
+        <p:nvSpPr>
           <p:cNvPr id="2" name="Rezervirano mjesto slike slajda 1"/>
           <p:cNvSpPr>
             <a:spLocks noGrp="1" noRot="1" noChangeAspect="1"/>
@@ -2384,10 +2467,6 @@
             </a:lvl1pPr>
           </a:lstStyle>
           <a:p>
-            <a:fld id="{2D2CC0AB-82F8-4982-8137-23AA4A106949}" type="datetime1">
-              <a:rPr lang="en-US" smtClean="0"/>
-              <a:t>1/25/2016</a:t>
-            </a:fld>
             <a:endParaRPr lang="en-US" dirty="0"/>
           </a:p>
         </p:txBody>
@@ -2424,8 +2503,8 @@
           </a:lstStyle>
           <a:p>
             <a:r>
-              <a:rPr lang="en-US" smtClean="0"/>
-              <a:t>[OPP Projekt] Bananablade - Sustav za arhiviranje i reprodukciju tonskih zapisa</a:t>
+              <a:rPr lang="nn-NO" smtClean="0"/>
+              <a:t>[OPP] Bananablade - Sustav za arhiviranje i reprodukciju tonskih zapisa</a:t>
             </a:r>
             <a:endParaRPr lang="en-US" dirty="0"/>
           </a:p>
@@ -2651,10 +2730,6 @@
           <a:bodyPr/>
           <a:lstStyle/>
           <a:p>
-            <a:fld id="{B70487C3-7E6D-4D18-AD87-E8429B71EA70}" type="datetime1">
-              <a:rPr lang="en-US" smtClean="0"/>
-              <a:t>1/25/2016</a:t>
-            </a:fld>
             <a:endParaRPr lang="en-US" dirty="0"/>
           </a:p>
         </p:txBody>
@@ -2675,8 +2750,8 @@
           <a:lstStyle/>
           <a:p>
             <a:r>
-              <a:rPr lang="en-US" smtClean="0"/>
-              <a:t>[OPP Projekt] Bananablade - Sustav za arhiviranje i reprodukciju tonskih zapisa</a:t>
+              <a:rPr lang="nn-NO" smtClean="0"/>
+              <a:t>[OPP] Bananablade - Sustav za arhiviranje i reprodukciju tonskih zapisa</a:t>
             </a:r>
             <a:endParaRPr lang="en-US" dirty="0"/>
           </a:p>
@@ -2891,10 +2966,6 @@
             </a:lvl1pPr>
           </a:lstStyle>
           <a:p>
-            <a:fld id="{10DEAAAA-2BFF-4D2F-905B-5C3D883FF8E4}" type="datetime1">
-              <a:rPr lang="en-US" smtClean="0"/>
-              <a:t>1/25/2016</a:t>
-            </a:fld>
             <a:endParaRPr lang="en-US" dirty="0"/>
           </a:p>
         </p:txBody>
@@ -2920,8 +2991,8 @@
           <a:lstStyle/>
           <a:p>
             <a:r>
-              <a:rPr lang="en-US" smtClean="0"/>
-              <a:t>[OPP Projekt] Bananablade - Sustav za arhiviranje i reprodukciju tonskih zapisa</a:t>
+              <a:rPr lang="nn-NO" smtClean="0"/>
+              <a:t>[OPP] Bananablade - Sustav za arhiviranje i reprodukciju tonskih zapisa</a:t>
             </a:r>
             <a:endParaRPr lang="en-US" dirty="0"/>
           </a:p>
@@ -3142,8 +3213,68 @@
           <a:lstStyle/>
           <a:p>
             <a:r>
-              <a:rPr lang="en-US" smtClean="0"/>
-              <a:t>[OPP Projekt] Bananablade - Sustav za arhiviranje i reprodukciju tonskih zapisa</a:t>
+              <a:rPr lang="en-US" dirty="0" smtClean="0"/>
+              <a:t>[OPP] </a:t>
+            </a:r>
+            <a:r>
+              <a:rPr lang="en-US" dirty="0" err="1" smtClean="0"/>
+              <a:t>Bananablade</a:t>
+            </a:r>
+            <a:r>
+              <a:rPr lang="en-US" dirty="0" smtClean="0"/>
+              <a:t> - </a:t>
+            </a:r>
+            <a:r>
+              <a:rPr lang="en-US" dirty="0" err="1" smtClean="0"/>
+              <a:t>Sustav</a:t>
+            </a:r>
+            <a:r>
+              <a:rPr lang="en-US" dirty="0" smtClean="0"/>
+              <a:t> </a:t>
+            </a:r>
+            <a:r>
+              <a:rPr lang="en-US" dirty="0" err="1" smtClean="0"/>
+              <a:t>za</a:t>
+            </a:r>
+            <a:r>
+              <a:rPr lang="en-US" dirty="0" smtClean="0"/>
+              <a:t> </a:t>
+            </a:r>
+            <a:r>
+              <a:rPr lang="en-US" dirty="0" err="1" smtClean="0"/>
+              <a:t>arhiviranje</a:t>
+            </a:r>
+            <a:r>
+              <a:rPr lang="en-US" dirty="0" smtClean="0"/>
+              <a:t> </a:t>
+            </a:r>
+            <a:r>
+              <a:rPr lang="en-US" dirty="0" err="1" smtClean="0"/>
+              <a:t>i</a:t>
+            </a:r>
+            <a:r>
+              <a:rPr lang="en-US" dirty="0" smtClean="0"/>
+              <a:t> </a:t>
+            </a:r>
+            <a:r>
+              <a:rPr lang="en-US" dirty="0" err="1" smtClean="0"/>
+              <a:t>reprodukciju</a:t>
+            </a:r>
+            <a:r>
+              <a:rPr lang="en-US" dirty="0" smtClean="0"/>
+              <a:t> </a:t>
+            </a:r>
+            <a:r>
+              <a:rPr lang="en-US" dirty="0" err="1" smtClean="0"/>
+              <a:t>tonskih</a:t>
+            </a:r>
+            <a:r>
+              <a:rPr lang="en-US" dirty="0" smtClean="0"/>
+              <a:t> </a:t>
+            </a:r>
+            <a:r>
+              <a:rPr lang="en-US" dirty="0" err="1" smtClean="0"/>
+              <a:t>zapisa</a:t>
             </a:r>
             <a:endParaRPr lang="en-US" dirty="0"/>
           </a:p>
@@ -3469,10 +3600,6 @@
             </a:lvl1pPr>
           </a:lstStyle>
           <a:p>
-            <a:fld id="{19EBA704-390E-4274-979A-84553B06C826}" type="datetime1">
-              <a:rPr lang="en-US" smtClean="0"/>
-              <a:t>1/25/2016</a:t>
-            </a:fld>
             <a:endParaRPr lang="en-US" dirty="0"/>
           </a:p>
         </p:txBody>
@@ -3504,8 +3631,8 @@
           </a:lstStyle>
           <a:p>
             <a:r>
-              <a:rPr lang="en-US" smtClean="0"/>
-              <a:t>[OPP Projekt] Bananablade - Sustav za arhiviranje i reprodukciju tonskih zapisa</a:t>
+              <a:rPr lang="nn-NO" smtClean="0"/>
+              <a:t>[OPP] Bananablade - Sustav za arhiviranje i reprodukciju tonskih zapisa</a:t>
             </a:r>
             <a:endParaRPr lang="en-US" dirty="0"/>
           </a:p>
@@ -3776,10 +3903,6 @@
           <a:bodyPr/>
           <a:lstStyle/>
           <a:p>
-            <a:fld id="{780D3442-ADEF-4032-A9D4-00BD27418FE9}" type="datetime1">
-              <a:rPr lang="en-US" smtClean="0"/>
-              <a:t>1/25/2016</a:t>
-            </a:fld>
             <a:endParaRPr lang="en-US" dirty="0"/>
           </a:p>
         </p:txBody>
@@ -3800,8 +3923,8 @@
           <a:lstStyle/>
           <a:p>
             <a:r>
-              <a:rPr lang="en-US" smtClean="0"/>
-              <a:t>[OPP Projekt] Bananablade - Sustav za arhiviranje i reprodukciju tonskih zapisa</a:t>
+              <a:rPr lang="nn-NO" smtClean="0"/>
+              <a:t>[OPP] Bananablade - Sustav za arhiviranje i reprodukciju tonskih zapisa</a:t>
             </a:r>
             <a:endParaRPr lang="en-US" dirty="0"/>
           </a:p>
@@ -4203,10 +4326,6 @@
           <a:bodyPr/>
           <a:lstStyle/>
           <a:p>
-            <a:fld id="{EDCE4E46-871F-4615-A903-5FAA74BDB89F}" type="datetime1">
-              <a:rPr lang="en-US" smtClean="0"/>
-              <a:t>1/25/2016</a:t>
-            </a:fld>
             <a:endParaRPr lang="en-US" dirty="0"/>
           </a:p>
         </p:txBody>
@@ -4227,8 +4346,8 @@
           <a:lstStyle/>
           <a:p>
             <a:r>
-              <a:rPr lang="en-US" smtClean="0"/>
-              <a:t>[OPP Projekt] Bananablade - Sustav za arhiviranje i reprodukciju tonskih zapisa</a:t>
+              <a:rPr lang="nn-NO" smtClean="0"/>
+              <a:t>[OPP] Bananablade - Sustav za arhiviranje i reprodukciju tonskih zapisa</a:t>
             </a:r>
             <a:endParaRPr lang="en-US" dirty="0"/>
           </a:p>
@@ -4303,10 +4422,6 @@
           <a:bodyPr/>
           <a:lstStyle/>
           <a:p>
-            <a:fld id="{1B0B0F09-A4FB-4A1A-A00B-52E16BEF5F97}" type="datetime1">
-              <a:rPr lang="en-US" smtClean="0"/>
-              <a:t>1/25/2016</a:t>
-            </a:fld>
             <a:endParaRPr lang="en-US" dirty="0"/>
           </a:p>
         </p:txBody>
@@ -4327,8 +4442,8 @@
           <a:lstStyle/>
           <a:p>
             <a:r>
-              <a:rPr lang="en-US" smtClean="0"/>
-              <a:t>[OPP Projekt] Bananablade - Sustav za arhiviranje i reprodukciju tonskih zapisa</a:t>
+              <a:rPr lang="nn-NO" smtClean="0"/>
+              <a:t>[OPP] Bananablade - Sustav za arhiviranje i reprodukciju tonskih zapisa</a:t>
             </a:r>
             <a:endParaRPr lang="en-US" dirty="0"/>
           </a:p>
@@ -4470,10 +4585,6 @@
           <a:bodyPr/>
           <a:lstStyle/>
           <a:p>
-            <a:fld id="{DB1C1FE4-0C86-42BB-B4D3-66820A05031D}" type="datetime1">
-              <a:rPr lang="en-US" smtClean="0"/>
-              <a:t>1/25/2016</a:t>
-            </a:fld>
             <a:endParaRPr lang="en-US" dirty="0"/>
           </a:p>
         </p:txBody>
@@ -4494,8 +4605,8 @@
           <a:lstStyle/>
           <a:p>
             <a:r>
-              <a:rPr lang="en-US" smtClean="0"/>
-              <a:t>[OPP Projekt] Bananablade - Sustav za arhiviranje i reprodukciju tonskih zapisa</a:t>
+              <a:rPr lang="nn-NO" smtClean="0"/>
+              <a:t>[OPP] Bananablade - Sustav za arhiviranje i reprodukciju tonskih zapisa</a:t>
             </a:r>
             <a:endParaRPr lang="en-US" dirty="0"/>
           </a:p>
@@ -4853,10 +4964,6 @@
             </a:lvl1pPr>
           </a:lstStyle>
           <a:p>
-            <a:fld id="{0F0202DA-52FC-492D-A756-188566781B2E}" type="datetime1">
-              <a:rPr lang="en-US" smtClean="0"/>
-              <a:t>1/25/2016</a:t>
-            </a:fld>
             <a:endParaRPr lang="en-US" dirty="0"/>
           </a:p>
         </p:txBody>
@@ -4888,8 +4995,8 @@
           </a:lstStyle>
           <a:p>
             <a:r>
-              <a:rPr lang="en-US" smtClean="0"/>
-              <a:t>[OPP Projekt] Bananablade - Sustav za arhiviranje i reprodukciju tonskih zapisa</a:t>
+              <a:rPr lang="nn-NO" smtClean="0"/>
+              <a:t>[OPP] Bananablade - Sustav za arhiviranje i reprodukciju tonskih zapisa</a:t>
             </a:r>
             <a:endParaRPr lang="en-US" dirty="0"/>
           </a:p>
@@ -5147,10 +5254,6 @@
           <a:bodyPr/>
           <a:lstStyle/>
           <a:p>
-            <a:fld id="{AAD24D4D-834D-40F7-8614-7EAB222EC555}" type="datetime1">
-              <a:rPr lang="en-US" smtClean="0"/>
-              <a:t>1/25/2016</a:t>
-            </a:fld>
             <a:endParaRPr lang="en-US" dirty="0"/>
           </a:p>
         </p:txBody>
@@ -5171,8 +5274,8 @@
           <a:lstStyle/>
           <a:p>
             <a:r>
-              <a:rPr lang="en-US" smtClean="0"/>
-              <a:t>[OPP Projekt] Bananablade - Sustav za arhiviranje i reprodukciju tonskih zapisa</a:t>
+              <a:rPr lang="nn-NO" smtClean="0"/>
+              <a:t>[OPP] Bananablade - Sustav za arhiviranje i reprodukciju tonskih zapisa</a:t>
             </a:r>
             <a:endParaRPr lang="en-US" dirty="0"/>
           </a:p>
@@ -5363,10 +5466,6 @@
             </a:lvl1pPr>
           </a:lstStyle>
           <a:p>
-            <a:fld id="{0ADA977C-BAC9-4331-B721-B185BEA01338}" type="datetime1">
-              <a:rPr lang="en-US" smtClean="0"/>
-              <a:t>1/25/2016</a:t>
-            </a:fld>
             <a:endParaRPr lang="en-US" dirty="0"/>
           </a:p>
         </p:txBody>
@@ -5403,8 +5502,68 @@
           </a:lstStyle>
           <a:p>
             <a:r>
-              <a:rPr lang="en-US" smtClean="0"/>
-              <a:t>[OPP Projekt] Bananablade - Sustav za arhiviranje i reprodukciju tonskih zapisa</a:t>
+              <a:rPr lang="en-US" dirty="0" smtClean="0"/>
+              <a:t>[OPP] </a:t>
+            </a:r>
+            <a:r>
+              <a:rPr lang="en-US" dirty="0" err="1" smtClean="0"/>
+              <a:t>Bananablade</a:t>
+            </a:r>
+            <a:r>
+              <a:rPr lang="en-US" dirty="0" smtClean="0"/>
+              <a:t> - </a:t>
+            </a:r>
+            <a:r>
+              <a:rPr lang="en-US" dirty="0" err="1" smtClean="0"/>
+              <a:t>Sustav</a:t>
+            </a:r>
+            <a:r>
+              <a:rPr lang="en-US" dirty="0" smtClean="0"/>
+              <a:t> </a:t>
+            </a:r>
+            <a:r>
+              <a:rPr lang="en-US" dirty="0" err="1" smtClean="0"/>
+              <a:t>za</a:t>
+            </a:r>
+            <a:r>
+              <a:rPr lang="en-US" dirty="0" smtClean="0"/>
+              <a:t> </a:t>
+            </a:r>
+            <a:r>
+              <a:rPr lang="en-US" dirty="0" err="1" smtClean="0"/>
+              <a:t>arhiviranje</a:t>
+            </a:r>
+            <a:r>
+              <a:rPr lang="en-US" dirty="0" smtClean="0"/>
+              <a:t> </a:t>
+            </a:r>
+            <a:r>
+              <a:rPr lang="en-US" dirty="0" err="1" smtClean="0"/>
+              <a:t>i</a:t>
+            </a:r>
+            <a:r>
+              <a:rPr lang="en-US" dirty="0" smtClean="0"/>
+              <a:t> </a:t>
+            </a:r>
+            <a:r>
+              <a:rPr lang="en-US" dirty="0" err="1" smtClean="0"/>
+              <a:t>reprodukciju</a:t>
+            </a:r>
+            <a:r>
+              <a:rPr lang="en-US" dirty="0" smtClean="0"/>
+              <a:t> </a:t>
+            </a:r>
+            <a:r>
+              <a:rPr lang="en-US" dirty="0" err="1" smtClean="0"/>
+              <a:t>tonskih</a:t>
+            </a:r>
+            <a:r>
+              <a:rPr lang="en-US" dirty="0" smtClean="0"/>
+              <a:t> </a:t>
+            </a:r>
+            <a:r>
+              <a:rPr lang="en-US" dirty="0" err="1" smtClean="0"/>
+              <a:t>zapisa</a:t>
             </a:r>
             <a:endParaRPr lang="en-US" dirty="0"/>
           </a:p>
@@ -6395,8 +6554,8 @@
           <a:lstStyle/>
           <a:p>
             <a:r>
-              <a:rPr lang="en-US" smtClean="0"/>
-              <a:t>[OPP Projekt] Bananablade - Sustav za arhiviranje i reprodukciju tonskih zapisa</a:t>
+              <a:rPr lang="nn-NO" smtClean="0"/>
+              <a:t>[OPP] Bananablade - Sustav za arhiviranje i reprodukciju tonskih zapisa</a:t>
             </a:r>
             <a:endParaRPr lang="en-US" dirty="0"/>
           </a:p>
@@ -6669,8 +6828,8 @@
           <a:lstStyle/>
           <a:p>
             <a:r>
-              <a:rPr lang="en-US" smtClean="0"/>
-              <a:t>[OPP Projekt] Bananablade - Sustav za arhiviranje i reprodukciju tonskih zapisa</a:t>
+              <a:rPr lang="nn-NO" smtClean="0"/>
+              <a:t>[OPP] Bananablade - Sustav za arhiviranje i reprodukciju tonskih zapisa</a:t>
             </a:r>
             <a:endParaRPr lang="en-US" dirty="0"/>
           </a:p>
@@ -6846,8 +7005,8 @@
           <a:lstStyle/>
           <a:p>
             <a:r>
-              <a:rPr lang="en-US" smtClean="0"/>
-              <a:t>[OPP Projekt] Bananablade - Sustav za arhiviranje i reprodukciju tonskih zapisa</a:t>
+              <a:rPr lang="nn-NO" smtClean="0"/>
+              <a:t>[OPP] Bananablade - Sustav za arhiviranje i reprodukciju tonskih zapisa</a:t>
             </a:r>
             <a:endParaRPr lang="en-US" dirty="0"/>
           </a:p>
@@ -6997,8 +7156,8 @@
           <a:lstStyle/>
           <a:p>
             <a:r>
-              <a:rPr lang="en-US" smtClean="0"/>
-              <a:t>[OPP Projekt] Bananablade - Sustav za arhiviranje i reprodukciju tonskih zapisa</a:t>
+              <a:rPr lang="nn-NO" smtClean="0"/>
+              <a:t>[OPP] Bananablade - Sustav za arhiviranje i reprodukciju tonskih zapisa</a:t>
             </a:r>
             <a:endParaRPr lang="en-US" dirty="0"/>
           </a:p>
@@ -7287,8 +7446,8 @@
           <a:lstStyle/>
           <a:p>
             <a:r>
-              <a:rPr lang="en-US" smtClean="0"/>
-              <a:t>[OPP Projekt] Bananablade - Sustav za arhiviranje i reprodukciju tonskih zapisa</a:t>
+              <a:rPr lang="nn-NO" smtClean="0"/>
+              <a:t>[OPP] Bananablade - Sustav za arhiviranje i reprodukciju tonskih zapisa</a:t>
             </a:r>
             <a:endParaRPr lang="en-US" dirty="0"/>
           </a:p>
@@ -7483,8 +7642,8 @@
           <a:lstStyle/>
           <a:p>
             <a:r>
-              <a:rPr lang="en-US" smtClean="0"/>
-              <a:t>[OPP Projekt] Bananablade - Sustav za arhiviranje i reprodukciju tonskih zapisa</a:t>
+              <a:rPr lang="nn-NO" smtClean="0"/>
+              <a:t>[OPP] Bananablade - Sustav za arhiviranje i reprodukciju tonskih zapisa</a:t>
             </a:r>
             <a:endParaRPr lang="en-US" dirty="0"/>
           </a:p>
@@ -7708,8 +7867,8 @@
           <a:lstStyle/>
           <a:p>
             <a:r>
-              <a:rPr lang="en-US" smtClean="0"/>
-              <a:t>[OPP Projekt] Bananablade - Sustav za arhiviranje i reprodukciju tonskih zapisa</a:t>
+              <a:rPr lang="nn-NO" smtClean="0"/>
+              <a:t>[OPP] Bananablade - Sustav za arhiviranje i reprodukciju tonskih zapisa</a:t>
             </a:r>
             <a:endParaRPr lang="en-US" dirty="0"/>
           </a:p>
@@ -7945,8 +8104,72 @@
           <a:lstStyle/>
           <a:p>
             <a:r>
-              <a:rPr lang="en-US" smtClean="0"/>
-              <a:t>[OPP Projekt] Bananablade - Sustav za arhiviranje i reprodukciju tonskih zapisa</a:t>
+              <a:rPr lang="en-US" dirty="0" smtClean="0"/>
+              <a:t>[OPP] </a:t>
+            </a:r>
+            <a:r>
+              <a:rPr lang="en-US" dirty="0" err="1" smtClean="0"/>
+              <a:t>Bananablade</a:t>
+            </a:r>
+            <a:r>
+              <a:rPr lang="en-US" dirty="0" smtClean="0"/>
+              <a:t> </a:t>
+            </a:r>
+            <a:r>
+              <a:rPr lang="en-US" dirty="0" smtClean="0"/>
+              <a:t>- </a:t>
+            </a:r>
+            <a:r>
+              <a:rPr lang="en-US" dirty="0" err="1" smtClean="0"/>
+              <a:t>Sustav</a:t>
+            </a:r>
+            <a:r>
+              <a:rPr lang="en-US" dirty="0" smtClean="0"/>
+              <a:t> </a:t>
+            </a:r>
+            <a:r>
+              <a:rPr lang="en-US" dirty="0" err="1" smtClean="0"/>
+              <a:t>za</a:t>
+            </a:r>
+            <a:r>
+              <a:rPr lang="en-US" dirty="0" smtClean="0"/>
+              <a:t> </a:t>
+            </a:r>
+            <a:r>
+              <a:rPr lang="en-US" dirty="0" err="1" smtClean="0"/>
+              <a:t>arhiviranje</a:t>
+            </a:r>
+            <a:r>
+              <a:rPr lang="en-US" dirty="0" smtClean="0"/>
+              <a:t> </a:t>
+            </a:r>
+            <a:r>
+              <a:rPr lang="en-US" dirty="0" err="1" smtClean="0"/>
+              <a:t>i</a:t>
+            </a:r>
+            <a:r>
+              <a:rPr lang="en-US" dirty="0" smtClean="0"/>
+              <a:t> </a:t>
+            </a:r>
+            <a:r>
+              <a:rPr lang="en-US" dirty="0" err="1" smtClean="0"/>
+              <a:t>reprodukciju</a:t>
+            </a:r>
+            <a:r>
+              <a:rPr lang="en-US" dirty="0" smtClean="0"/>
+              <a:t> </a:t>
+            </a:r>
+            <a:r>
+              <a:rPr lang="en-US" dirty="0" err="1" smtClean="0"/>
+              <a:t>tonskih</a:t>
+            </a:r>
+            <a:r>
+              <a:rPr lang="en-US" dirty="0" smtClean="0"/>
+              <a:t> </a:t>
+            </a:r>
+            <a:r>
+              <a:rPr lang="en-US" dirty="0" err="1" smtClean="0"/>
+              <a:t>zapisa</a:t>
             </a:r>
             <a:endParaRPr lang="en-US" dirty="0"/>
           </a:p>
@@ -8156,8 +8379,8 @@
           <a:lstStyle/>
           <a:p>
             <a:r>
-              <a:rPr lang="en-US" smtClean="0"/>
-              <a:t>[OPP Projekt] Bananablade - Sustav za arhiviranje i reprodukciju tonskih zapisa</a:t>
+              <a:rPr lang="nn-NO" smtClean="0"/>
+              <a:t>[OPP] Bananablade - Sustav za arhiviranje i reprodukciju tonskih zapisa</a:t>
             </a:r>
             <a:endParaRPr lang="en-US" dirty="0"/>
           </a:p>
@@ -8333,7 +8556,7 @@
           <p:nvPr/>
         </p:nvPicPr>
         <p:blipFill>
-          <a:blip r:embed="rId2">
+          <a:blip r:embed="rId3">
             <a:extLst>
               <a:ext uri="{28A0092B-C50C-407E-A947-70E740481C1C}">
                 <a14:useLocalDpi xmlns:a14="http://schemas.microsoft.com/office/drawing/2010/main" val="0"/>
@@ -8363,7 +8586,7 @@
           <p:nvPr/>
         </p:nvPicPr>
         <p:blipFill>
-          <a:blip r:embed="rId3">
+          <a:blip r:embed="rId4">
             <a:extLst>
               <a:ext uri="{28A0092B-C50C-407E-A947-70E740481C1C}">
                 <a14:useLocalDpi xmlns:a14="http://schemas.microsoft.com/office/drawing/2010/main" val="0"/>
@@ -8393,7 +8616,7 @@
           <p:nvPr/>
         </p:nvPicPr>
         <p:blipFill>
-          <a:blip r:embed="rId4">
+          <a:blip r:embed="rId5">
             <a:extLst>
               <a:ext uri="{28A0092B-C50C-407E-A947-70E740481C1C}">
                 <a14:useLocalDpi xmlns:a14="http://schemas.microsoft.com/office/drawing/2010/main" val="0"/>
@@ -8454,8 +8677,8 @@
           <a:lstStyle/>
           <a:p>
             <a:r>
-              <a:rPr lang="en-US" smtClean="0"/>
-              <a:t>[OPP Projekt] Bananablade - Sustav za arhiviranje i reprodukciju tonskih zapisa</a:t>
+              <a:rPr lang="nn-NO" smtClean="0"/>
+              <a:t>[OPP] Bananablade - Sustav za arhiviranje i reprodukciju tonskih zapisa</a:t>
             </a:r>
             <a:endParaRPr lang="en-US" dirty="0"/>
           </a:p>
@@ -8799,8 +9022,8 @@
           <a:lstStyle/>
           <a:p>
             <a:r>
-              <a:rPr lang="en-US" smtClean="0"/>
-              <a:t>[OPP Projekt] Bananablade - Sustav za arhiviranje i reprodukciju tonskih zapisa</a:t>
+              <a:rPr lang="nn-NO" smtClean="0"/>
+              <a:t>[OPP] Bananablade - Sustav za arhiviranje i reprodukciju tonskih zapisa</a:t>
             </a:r>
             <a:endParaRPr lang="en-US" dirty="0"/>
           </a:p>
@@ -8945,8 +9168,8 @@
           <a:lstStyle/>
           <a:p>
             <a:r>
-              <a:rPr lang="en-US" smtClean="0"/>
-              <a:t>[OPP Projekt] Bananablade - Sustav za arhiviranje i reprodukciju tonskih zapisa</a:t>
+              <a:rPr lang="nn-NO" smtClean="0"/>
+              <a:t>[OPP] Bananablade - Sustav za arhiviranje i reprodukciju tonskih zapisa</a:t>
             </a:r>
             <a:endParaRPr lang="en-US" dirty="0"/>
           </a:p>
@@ -9123,8 +9346,8 @@
           <a:lstStyle/>
           <a:p>
             <a:r>
-              <a:rPr lang="en-US" smtClean="0"/>
-              <a:t>[OPP Projekt] Bananablade - Sustav za arhiviranje i reprodukciju tonskih zapisa</a:t>
+              <a:rPr lang="nn-NO" smtClean="0"/>
+              <a:t>[OPP] Bananablade - Sustav za arhiviranje i reprodukciju tonskih zapisa</a:t>
             </a:r>
             <a:endParaRPr lang="en-US" dirty="0"/>
           </a:p>
